--- a/data/last presentation.pptx
+++ b/data/last presentation.pptx
@@ -4408,7 +4408,12 @@
             <p:ph type="title"/>
           </p:nvPr>
         </p:nvSpPr>
-        <p:spPr/>
+        <p:spPr>
+          <a:xfrm>
+            <a:off x="0" y="0"/>
+            <a:ext cx="12062691" cy="1325563"/>
+          </a:xfrm>
+        </p:spPr>
         <p:txBody>
           <a:bodyPr/>
           <a:lstStyle/>
@@ -4442,8 +4447,8 @@
         </p:nvSpPr>
         <p:spPr>
           <a:xfrm>
-            <a:off x="71582" y="1893455"/>
-            <a:ext cx="10515600" cy="4351338"/>
+            <a:off x="0" y="2161402"/>
+            <a:ext cx="3853873" cy="4351338"/>
           </a:xfrm>
         </p:spPr>
         <p:txBody>
@@ -5082,8 +5087,8 @@
         </p:nvSpPr>
         <p:spPr>
           <a:xfrm>
-            <a:off x="4729018" y="1893455"/>
-            <a:ext cx="7462982" cy="5816977"/>
+            <a:off x="4017818" y="1066945"/>
+            <a:ext cx="8488218" cy="6540252"/>
           </a:xfrm>
           <a:prstGeom prst="rect">
             <a:avLst/>
@@ -5097,7 +5102,7 @@
           <a:lstStyle/>
           <a:p>
             <a:r>
-              <a:rPr lang="en-US" sz="1400" b="0" i="0" u="none" strike="noStrike" dirty="0">
+              <a:rPr lang="en-US" sz="1600" b="1" i="0" u="none" strike="noStrike" dirty="0">
                 <a:solidFill>
                   <a:srgbClr val="000000"/>
                 </a:solidFill>
@@ -5105,12 +5110,10 @@
                 <a:latin typeface="Times New Roman" panose="02020603050405020304" pitchFamily="18" charset="0"/>
                 <a:cs typeface="Times New Roman" panose="02020603050405020304" pitchFamily="18" charset="0"/>
               </a:rPr>
-              <a:t>193- Erythrose, 4-phosphate</a:t>
-            </a:r>
-          </a:p>
-          <a:p>
-            <a:r>
-              <a:rPr lang="en-US" sz="1400" b="0" i="0" u="none" strike="noStrike" dirty="0">
+              <a:t>193-</a:t>
+            </a:r>
+            <a:r>
+              <a:rPr lang="en-US" sz="1600" b="0" i="0" u="none" strike="noStrike" dirty="0">
                 <a:solidFill>
                   <a:srgbClr val="000000"/>
                 </a:solidFill>
@@ -5118,10 +5121,12 @@
                 <a:latin typeface="Times New Roman" panose="02020603050405020304" pitchFamily="18" charset="0"/>
                 <a:cs typeface="Times New Roman" panose="02020603050405020304" pitchFamily="18" charset="0"/>
               </a:rPr>
-              <a:t>11- (4S)-4-{[(9Z)-3-Hydroxy-9-hexadecenoyl]oxy}-4-(</a:t>
-            </a:r>
-            <a:r>
-              <a:rPr lang="en-US" sz="1400" b="0" i="0" u="none" strike="noStrike" dirty="0" err="1">
+              <a:t> Erythrose, 4-phosphate</a:t>
+            </a:r>
+          </a:p>
+          <a:p>
+            <a:r>
+              <a:rPr lang="en-US" sz="1600" b="1" i="0" u="none" strike="noStrike" dirty="0">
                 <a:solidFill>
                   <a:srgbClr val="000000"/>
                 </a:solidFill>
@@ -5129,10 +5134,10 @@
                 <a:latin typeface="Times New Roman" panose="02020603050405020304" pitchFamily="18" charset="0"/>
                 <a:cs typeface="Times New Roman" panose="02020603050405020304" pitchFamily="18" charset="0"/>
               </a:rPr>
-              <a:t>trimethylammonio</a:t>
-            </a:r>
-            <a:r>
-              <a:rPr lang="en-US" sz="1400" b="0" i="0" u="none" strike="noStrike" dirty="0">
+              <a:t>11-</a:t>
+            </a:r>
+            <a:r>
+              <a:rPr lang="en-US" sz="1600" b="0" i="0" u="none" strike="noStrike" dirty="0">
                 <a:solidFill>
                   <a:srgbClr val="000000"/>
                 </a:solidFill>
@@ -5140,19 +5145,10 @@
                 <a:latin typeface="Times New Roman" panose="02020603050405020304" pitchFamily="18" charset="0"/>
                 <a:cs typeface="Times New Roman" panose="02020603050405020304" pitchFamily="18" charset="0"/>
               </a:rPr>
-              <a:t>)butanoate_0</a:t>
-            </a:r>
-            <a:r>
-              <a:rPr lang="en-US" sz="1400" dirty="0">
-                <a:latin typeface="Times New Roman" panose="02020603050405020304" pitchFamily="18" charset="0"/>
-                <a:cs typeface="Times New Roman" panose="02020603050405020304" pitchFamily="18" charset="0"/>
-              </a:rPr>
-              <a:t> </a:t>
-            </a:r>
-          </a:p>
-          <a:p>
-            <a:r>
-              <a:rPr lang="en-US" sz="1400" b="0" i="0" u="none" strike="noStrike" dirty="0">
+              <a:t> (4S)-4-{[(9Z)-3-Hydroxy-9-hexadecenoyl]oxy}-4-(</a:t>
+            </a:r>
+            <a:r>
+              <a:rPr lang="en-US" sz="1600" b="0" i="0" u="none" strike="noStrike" dirty="0" err="1">
                 <a:solidFill>
                   <a:srgbClr val="000000"/>
                 </a:solidFill>
@@ -5160,16 +5156,58 @@
                 <a:latin typeface="Times New Roman" panose="02020603050405020304" pitchFamily="18" charset="0"/>
                 <a:cs typeface="Times New Roman" panose="02020603050405020304" pitchFamily="18" charset="0"/>
               </a:rPr>
-              <a:t>70-3-hydroxydodecanoylcarnitine</a:t>
-            </a:r>
-            <a:r>
-              <a:rPr lang="en-US" sz="1400" dirty="0">
+              <a:t>trimethylammonio</a:t>
+            </a:r>
+            <a:r>
+              <a:rPr lang="en-US" sz="1600" b="0" i="0" u="none" strike="noStrike" dirty="0">
+                <a:solidFill>
+                  <a:srgbClr val="000000"/>
+                </a:solidFill>
+                <a:effectLst/>
+                <a:latin typeface="Times New Roman" panose="02020603050405020304" pitchFamily="18" charset="0"/>
+                <a:cs typeface="Times New Roman" panose="02020603050405020304" pitchFamily="18" charset="0"/>
+              </a:rPr>
+              <a:t>)butanoate_0</a:t>
+            </a:r>
+            <a:r>
+              <a:rPr lang="en-US" sz="1600" dirty="0">
                 <a:latin typeface="Times New Roman" panose="02020603050405020304" pitchFamily="18" charset="0"/>
                 <a:cs typeface="Times New Roman" panose="02020603050405020304" pitchFamily="18" charset="0"/>
               </a:rPr>
               <a:t> </a:t>
             </a:r>
-            <a:endParaRPr lang="en-US" sz="1400" b="0" i="0" u="none" strike="noStrike" dirty="0">
+          </a:p>
+          <a:p>
+            <a:r>
+              <a:rPr lang="en-US" sz="1600" b="1" i="0" u="none" strike="noStrike" dirty="0">
+                <a:solidFill>
+                  <a:srgbClr val="000000"/>
+                </a:solidFill>
+                <a:effectLst/>
+                <a:latin typeface="Times New Roman" panose="02020603050405020304" pitchFamily="18" charset="0"/>
+                <a:cs typeface="Times New Roman" panose="02020603050405020304" pitchFamily="18" charset="0"/>
+              </a:rPr>
+              <a:t>70-</a:t>
+            </a:r>
+            <a:r>
+              <a:rPr lang="en-US" sz="1600" b="0" i="0" u="none" strike="noStrike" dirty="0">
+                <a:solidFill>
+                  <a:srgbClr val="000000"/>
+                </a:solidFill>
+                <a:effectLst/>
+                <a:latin typeface="Times New Roman" panose="02020603050405020304" pitchFamily="18" charset="0"/>
+                <a:cs typeface="Times New Roman" panose="02020603050405020304" pitchFamily="18" charset="0"/>
+              </a:rPr>
+              <a:t>3-hydroxydodecanoylcarnitine</a:t>
+            </a:r>
+            <a:r>
+              <a:rPr lang="en-US" sz="1600" dirty="0">
+                <a:latin typeface="Times New Roman" panose="02020603050405020304" pitchFamily="18" charset="0"/>
+                <a:cs typeface="Times New Roman" panose="02020603050405020304" pitchFamily="18" charset="0"/>
+              </a:rPr>
+              <a:t> </a:t>
+            </a:r>
+            <a:endParaRPr lang="en-US" sz="1600" b="0" i="0" u="none" strike="noStrike" dirty="0">
               <a:solidFill>
                 <a:srgbClr val="000000"/>
               </a:solidFill>
@@ -5180,20 +5218,30 @@
           </a:p>
           <a:p>
             <a:r>
-              <a:rPr lang="en-US" sz="1400" dirty="0">
+              <a:rPr lang="en-US" sz="1600" b="1" dirty="0">
                 <a:solidFill>
                   <a:srgbClr val="000000"/>
                 </a:solidFill>
                 <a:latin typeface="Times New Roman" panose="02020603050405020304" pitchFamily="18" charset="0"/>
                 <a:cs typeface="Times New Roman" panose="02020603050405020304" pitchFamily="18" charset="0"/>
               </a:rPr>
-              <a:t>255- </a:t>
-            </a:r>
-            <a:r>
-              <a:rPr lang="en-US" sz="1400" b="0" i="0" u="none" strike="noStrike" dirty="0">
+              <a:t>255-</a:t>
+            </a:r>
+            <a:r>
+              <a:rPr lang="en-US" sz="1600" dirty="0">
                 <a:solidFill>
                   <a:srgbClr val="000000"/>
                 </a:solidFill>
+                <a:latin typeface="Times New Roman" panose="02020603050405020304" pitchFamily="18" charset="0"/>
+                <a:cs typeface="Times New Roman" panose="02020603050405020304" pitchFamily="18" charset="0"/>
+              </a:rPr>
+              <a:t> </a:t>
+            </a:r>
+            <a:r>
+              <a:rPr lang="en-US" sz="1600" b="0" i="0" u="none" strike="noStrike" dirty="0">
+                <a:solidFill>
+                  <a:srgbClr val="000000"/>
+                </a:solidFill>
                 <a:effectLst/>
                 <a:latin typeface="Times New Roman" panose="02020603050405020304" pitchFamily="18" charset="0"/>
                 <a:cs typeface="Times New Roman" panose="02020603050405020304" pitchFamily="18" charset="0"/>
@@ -5201,13 +5249,13 @@
               <a:t>L-Histidine</a:t>
             </a:r>
             <a:r>
-              <a:rPr lang="en-US" sz="1400" dirty="0">
+              <a:rPr lang="en-US" sz="1600" dirty="0">
                 <a:latin typeface="Times New Roman" panose="02020603050405020304" pitchFamily="18" charset="0"/>
                 <a:cs typeface="Times New Roman" panose="02020603050405020304" pitchFamily="18" charset="0"/>
               </a:rPr>
               <a:t> </a:t>
             </a:r>
-            <a:endParaRPr lang="en-US" sz="1400" dirty="0">
+            <a:endParaRPr lang="en-US" sz="1600" dirty="0">
               <a:solidFill>
                 <a:srgbClr val="000000"/>
               </a:solidFill>
@@ -5217,7 +5265,7 @@
           </a:p>
           <a:p>
             <a:r>
-              <a:rPr lang="en-US" sz="1400" b="0" i="0" u="none" strike="noStrike" dirty="0">
+              <a:rPr lang="en-US" sz="1600" b="1" i="0" u="none" strike="noStrike" dirty="0">
                 <a:solidFill>
                   <a:srgbClr val="000000"/>
                 </a:solidFill>
@@ -5225,10 +5273,10 @@
                 <a:latin typeface="Times New Roman" panose="02020603050405020304" pitchFamily="18" charset="0"/>
                 <a:cs typeface="Times New Roman" panose="02020603050405020304" pitchFamily="18" charset="0"/>
               </a:rPr>
-              <a:t>39- 2,2'-[1,2-Propanediylbis(oxy)]</a:t>
-            </a:r>
-            <a:r>
-              <a:rPr lang="en-US" sz="1400" b="0" i="0" u="none" strike="noStrike" dirty="0" err="1">
+              <a:t>39-</a:t>
+            </a:r>
+            <a:r>
+              <a:rPr lang="en-US" sz="1600" b="0" i="0" u="none" strike="noStrike" dirty="0">
                 <a:solidFill>
                   <a:srgbClr val="000000"/>
                 </a:solidFill>
@@ -5236,16 +5284,27 @@
                 <a:latin typeface="Times New Roman" panose="02020603050405020304" pitchFamily="18" charset="0"/>
                 <a:cs typeface="Times New Roman" panose="02020603050405020304" pitchFamily="18" charset="0"/>
               </a:rPr>
+              <a:t> 2,2'-[1,2-Propanediylbis(oxy)]</a:t>
+            </a:r>
+            <a:r>
+              <a:rPr lang="en-US" sz="1600" b="0" i="0" u="none" strike="noStrike" dirty="0" err="1">
+                <a:solidFill>
+                  <a:srgbClr val="000000"/>
+                </a:solidFill>
+                <a:effectLst/>
+                <a:latin typeface="Times New Roman" panose="02020603050405020304" pitchFamily="18" charset="0"/>
+                <a:cs typeface="Times New Roman" panose="02020603050405020304" pitchFamily="18" charset="0"/>
+              </a:rPr>
               <a:t>diethanol</a:t>
             </a:r>
             <a:r>
-              <a:rPr lang="en-US" sz="1400" dirty="0">
+              <a:rPr lang="en-US" sz="1600" dirty="0">
                 <a:latin typeface="Times New Roman" panose="02020603050405020304" pitchFamily="18" charset="0"/>
                 <a:cs typeface="Times New Roman" panose="02020603050405020304" pitchFamily="18" charset="0"/>
               </a:rPr>
               <a:t> </a:t>
             </a:r>
-            <a:endParaRPr lang="en-US" sz="1400" b="0" i="0" u="none" strike="noStrike" dirty="0">
+            <a:endParaRPr lang="en-US" sz="1600" b="0" i="0" u="none" strike="noStrike" dirty="0">
               <a:solidFill>
                 <a:srgbClr val="000000"/>
               </a:solidFill>
@@ -5256,14 +5315,14 @@
           </a:p>
           <a:p>
             <a:r>
-              <a:rPr lang="en-US" sz="1400" dirty="0">
+              <a:rPr lang="en-US" sz="1600" dirty="0">
                 <a:latin typeface="Times New Roman" panose="02020603050405020304" pitchFamily="18" charset="0"/>
                 <a:cs typeface="Times New Roman" panose="02020603050405020304" pitchFamily="18" charset="0"/>
               </a:rPr>
               <a:t> </a:t>
             </a:r>
             <a:r>
-              <a:rPr lang="en-US" sz="1400" b="1" kern="0" dirty="0">
+              <a:rPr lang="en-US" sz="1600" b="1" kern="0" dirty="0">
                 <a:solidFill>
                   <a:srgbClr val="00B0F0"/>
                 </a:solidFill>
@@ -5275,7 +5334,7 @@
               <a:t>(</a:t>
             </a:r>
             <a:r>
-              <a:rPr lang="en-US" sz="1400" b="1" kern="0" dirty="0" err="1">
+              <a:rPr lang="en-US" sz="1600" b="1" kern="0" dirty="0" err="1">
                 <a:solidFill>
                   <a:srgbClr val="00B0F0"/>
                 </a:solidFill>
@@ -5287,7 +5346,7 @@
               <a:t>top_metabolites_IBA</a:t>
             </a:r>
             <a:r>
-              <a:rPr lang="en-US" sz="1400" b="1" kern="0" dirty="0">
+              <a:rPr lang="en-US" sz="1600" b="1" kern="0" dirty="0">
                 <a:solidFill>
                   <a:srgbClr val="00B0F0"/>
                 </a:solidFill>
@@ -5301,26 +5360,43 @@
           </a:p>
           <a:p>
             <a:r>
-              <a:rPr lang="en-US" sz="1400" b="1" kern="0" dirty="0">
+              <a:rPr lang="en-US" sz="1600" b="1" kern="0" dirty="0">
                 <a:effectLst/>
                 <a:latin typeface="Times New Roman" panose="02020603050405020304" pitchFamily="18" charset="0"/>
                 <a:ea typeface="Times New Roman" panose="02020603050405020304" pitchFamily="18" charset="0"/>
                 <a:cs typeface="Times New Roman" panose="02020603050405020304" pitchFamily="18" charset="0"/>
               </a:rPr>
-              <a:t>328-Ricinine</a:t>
-            </a:r>
-          </a:p>
-          <a:p>
-            <a:r>
-              <a:rPr lang="en-US" sz="1400" b="0" i="0" u="none" strike="noStrike" dirty="0">
-                <a:effectLst/>
-                <a:latin typeface="Times New Roman" panose="02020603050405020304" pitchFamily="18" charset="0"/>
-                <a:cs typeface="Times New Roman" panose="02020603050405020304" pitchFamily="18" charset="0"/>
-              </a:rPr>
-              <a:t>11- (4S)-4-{[(9Z)-3-Hydroxy-9-hexadecenoyl]oxy}-4-(</a:t>
-            </a:r>
-            <a:r>
-              <a:rPr lang="en-US" sz="1400" b="0" i="0" u="none" strike="noStrike" dirty="0" err="1">
+              <a:t>328-</a:t>
+            </a:r>
+            <a:r>
+              <a:rPr lang="en-US" sz="1600" kern="0" dirty="0">
+                <a:effectLst/>
+                <a:latin typeface="Times New Roman" panose="02020603050405020304" pitchFamily="18" charset="0"/>
+                <a:ea typeface="Times New Roman" panose="02020603050405020304" pitchFamily="18" charset="0"/>
+                <a:cs typeface="Times New Roman" panose="02020603050405020304" pitchFamily="18" charset="0"/>
+              </a:rPr>
+              <a:t>Ricinine</a:t>
+            </a:r>
+          </a:p>
+          <a:p>
+            <a:r>
+              <a:rPr lang="en-US" sz="1600" b="1" i="0" u="none" strike="noStrike" dirty="0">
+                <a:effectLst/>
+                <a:latin typeface="Times New Roman" panose="02020603050405020304" pitchFamily="18" charset="0"/>
+                <a:cs typeface="Times New Roman" panose="02020603050405020304" pitchFamily="18" charset="0"/>
+              </a:rPr>
+              <a:t>11-</a:t>
+            </a:r>
+            <a:r>
+              <a:rPr lang="en-US" sz="1600" b="0" i="0" u="none" strike="noStrike" dirty="0">
+                <a:effectLst/>
+                <a:latin typeface="Times New Roman" panose="02020603050405020304" pitchFamily="18" charset="0"/>
+                <a:cs typeface="Times New Roman" panose="02020603050405020304" pitchFamily="18" charset="0"/>
+              </a:rPr>
+              <a:t> (4S)-4-{[(9Z)-3-Hydroxy-9-hexadecenoyl]oxy}-4-(</a:t>
+            </a:r>
+            <a:r>
+              <a:rPr lang="en-US" sz="1600" b="0" i="0" u="none" strike="noStrike" dirty="0" err="1">
                 <a:effectLst/>
                 <a:latin typeface="Times New Roman" panose="02020603050405020304" pitchFamily="18" charset="0"/>
                 <a:cs typeface="Times New Roman" panose="02020603050405020304" pitchFamily="18" charset="0"/>
@@ -5328,7 +5404,7 @@
               <a:t>trimethylammonio</a:t>
             </a:r>
             <a:r>
-              <a:rPr lang="en-US" sz="1400" b="0" i="0" u="none" strike="noStrike" dirty="0">
+              <a:rPr lang="en-US" sz="1600" b="0" i="0" u="none" strike="noStrike" dirty="0">
                 <a:effectLst/>
                 <a:latin typeface="Times New Roman" panose="02020603050405020304" pitchFamily="18" charset="0"/>
                 <a:cs typeface="Times New Roman" panose="02020603050405020304" pitchFamily="18" charset="0"/>
@@ -5336,7 +5412,7 @@
               <a:t>)butanoate_0</a:t>
             </a:r>
             <a:r>
-              <a:rPr lang="en-US" sz="1400" dirty="0">
+              <a:rPr lang="en-US" sz="1600" dirty="0">
                 <a:latin typeface="Times New Roman" panose="02020603050405020304" pitchFamily="18" charset="0"/>
                 <a:cs typeface="Times New Roman" panose="02020603050405020304" pitchFamily="18" charset="0"/>
               </a:rPr>
@@ -5345,23 +5421,31 @@
           </a:p>
           <a:p>
             <a:r>
-              <a:rPr lang="en-US" sz="1400" b="1" kern="0" dirty="0">
+              <a:rPr lang="en-US" sz="1600" b="1" kern="0" dirty="0">
                 <a:latin typeface="Times New Roman" panose="02020603050405020304" pitchFamily="18" charset="0"/>
                 <a:ea typeface="Times New Roman" panose="02020603050405020304" pitchFamily="18" charset="0"/>
                 <a:cs typeface="Times New Roman" panose="02020603050405020304" pitchFamily="18" charset="0"/>
               </a:rPr>
-              <a:t>12-(4S)-4-{[(9Z)-3-Hydroxy-9-hexadecenoyl]oxy}-4-(</a:t>
-            </a:r>
-            <a:r>
-              <a:rPr lang="en-US" sz="1400" b="1" kern="0" dirty="0" err="1">
+              <a:t>12-</a:t>
+            </a:r>
+            <a:r>
+              <a:rPr lang="en-US" sz="1600" kern="0" dirty="0">
                 <a:latin typeface="Times New Roman" panose="02020603050405020304" pitchFamily="18" charset="0"/>
                 <a:ea typeface="Times New Roman" panose="02020603050405020304" pitchFamily="18" charset="0"/>
                 <a:cs typeface="Times New Roman" panose="02020603050405020304" pitchFamily="18" charset="0"/>
               </a:rPr>
+              <a:t>(4S)-4-{[(9Z)-3-Hydroxy-9-hexadecenoyl]oxy}-4-(</a:t>
+            </a:r>
+            <a:r>
+              <a:rPr lang="en-US" sz="1600" kern="0" dirty="0" err="1">
+                <a:latin typeface="Times New Roman" panose="02020603050405020304" pitchFamily="18" charset="0"/>
+                <a:ea typeface="Times New Roman" panose="02020603050405020304" pitchFamily="18" charset="0"/>
+                <a:cs typeface="Times New Roman" panose="02020603050405020304" pitchFamily="18" charset="0"/>
+              </a:rPr>
               <a:t>trimethylammonio</a:t>
             </a:r>
             <a:r>
-              <a:rPr lang="en-US" sz="1400" b="1" kern="0" dirty="0">
+              <a:rPr lang="en-US" sz="1600" kern="0" dirty="0">
                 <a:latin typeface="Times New Roman" panose="02020603050405020304" pitchFamily="18" charset="0"/>
                 <a:ea typeface="Times New Roman" panose="02020603050405020304" pitchFamily="18" charset="0"/>
                 <a:cs typeface="Times New Roman" panose="02020603050405020304" pitchFamily="18" charset="0"/>
@@ -5371,7 +5455,7 @@
           </a:p>
           <a:p>
             <a:r>
-              <a:rPr lang="en-US" sz="1400" b="1" kern="0" dirty="0">
+              <a:rPr lang="en-US" sz="1600" b="1" kern="0" dirty="0">
                 <a:effectLst/>
                 <a:latin typeface="Times New Roman" panose="02020603050405020304" pitchFamily="18" charset="0"/>
                 <a:ea typeface="Times New Roman" panose="02020603050405020304" pitchFamily="18" charset="0"/>
@@ -5380,7 +5464,7 @@
               <a:t>70-</a:t>
             </a:r>
             <a:r>
-              <a:rPr lang="en-US" sz="1400" b="0" i="0" u="none" strike="noStrike" dirty="0">
+              <a:rPr lang="en-US" sz="1600" b="0" i="0" u="none" strike="noStrike" dirty="0">
                 <a:effectLst/>
                 <a:latin typeface="Times New Roman" panose="02020603050405020304" pitchFamily="18" charset="0"/>
                 <a:cs typeface="Times New Roman" panose="02020603050405020304" pitchFamily="18" charset="0"/>
@@ -5388,13 +5472,13 @@
               <a:t>3-hydroxydodecanoylcarnitine</a:t>
             </a:r>
             <a:r>
-              <a:rPr lang="en-US" sz="1400" dirty="0">
+              <a:rPr lang="en-US" sz="1600" dirty="0">
                 <a:latin typeface="Times New Roman" panose="02020603050405020304" pitchFamily="18" charset="0"/>
                 <a:cs typeface="Times New Roman" panose="02020603050405020304" pitchFamily="18" charset="0"/>
               </a:rPr>
               <a:t> </a:t>
             </a:r>
-            <a:endParaRPr lang="en-US" sz="1400" b="1" kern="0" dirty="0">
+            <a:endParaRPr lang="en-US" sz="1600" b="1" kern="0" dirty="0">
               <a:effectLst/>
               <a:latin typeface="Times New Roman" panose="02020603050405020304" pitchFamily="18" charset="0"/>
               <a:ea typeface="Times New Roman" panose="02020603050405020304" pitchFamily="18" charset="0"/>
@@ -5403,30 +5487,38 @@
           </a:p>
           <a:p>
             <a:r>
-              <a:rPr lang="en-US" sz="1400" b="1" kern="0" dirty="0">
+              <a:rPr lang="en-US" sz="1600" b="1" kern="0" dirty="0">
                 <a:latin typeface="Times New Roman" panose="02020603050405020304" pitchFamily="18" charset="0"/>
                 <a:ea typeface="Times New Roman" panose="02020603050405020304" pitchFamily="18" charset="0"/>
                 <a:cs typeface="Times New Roman" panose="02020603050405020304" pitchFamily="18" charset="0"/>
               </a:rPr>
-              <a:t>10-(4S)-4-[(2E,4Z)-2,4-Decadienoyloxy]-4-(</a:t>
-            </a:r>
-            <a:r>
-              <a:rPr lang="en-US" sz="1400" b="1" kern="0" dirty="0" err="1">
+              <a:t>10-</a:t>
+            </a:r>
+            <a:r>
+              <a:rPr lang="en-US" sz="1600" kern="0" dirty="0">
                 <a:latin typeface="Times New Roman" panose="02020603050405020304" pitchFamily="18" charset="0"/>
                 <a:ea typeface="Times New Roman" panose="02020603050405020304" pitchFamily="18" charset="0"/>
                 <a:cs typeface="Times New Roman" panose="02020603050405020304" pitchFamily="18" charset="0"/>
               </a:rPr>
+              <a:t>(4S)-4-[(2E,4Z)-2,4-Decadienoyloxy]-4-(</a:t>
+            </a:r>
+            <a:r>
+              <a:rPr lang="en-US" sz="1600" kern="0" dirty="0" err="1">
+                <a:latin typeface="Times New Roman" panose="02020603050405020304" pitchFamily="18" charset="0"/>
+                <a:ea typeface="Times New Roman" panose="02020603050405020304" pitchFamily="18" charset="0"/>
+                <a:cs typeface="Times New Roman" panose="02020603050405020304" pitchFamily="18" charset="0"/>
+              </a:rPr>
               <a:t>trimethylammonio</a:t>
             </a:r>
             <a:r>
-              <a:rPr lang="en-US" sz="1400" b="1" kern="0" dirty="0">
+              <a:rPr lang="en-US" sz="1600" kern="0" dirty="0">
                 <a:latin typeface="Times New Roman" panose="02020603050405020304" pitchFamily="18" charset="0"/>
                 <a:ea typeface="Times New Roman" panose="02020603050405020304" pitchFamily="18" charset="0"/>
                 <a:cs typeface="Times New Roman" panose="02020603050405020304" pitchFamily="18" charset="0"/>
               </a:rPr>
               <a:t>)butanoate_1</a:t>
             </a:r>
-            <a:endParaRPr lang="en-US" sz="1400" b="1" kern="0" dirty="0">
+            <a:endParaRPr lang="en-US" sz="1600" kern="0" dirty="0">
               <a:effectLst/>
               <a:latin typeface="Times New Roman" panose="02020603050405020304" pitchFamily="18" charset="0"/>
               <a:ea typeface="Times New Roman" panose="02020603050405020304" pitchFamily="18" charset="0"/>
@@ -5435,7 +5527,7 @@
           </a:p>
           <a:p>
             <a:r>
-              <a:rPr lang="en-US" sz="1400" b="1" kern="0" dirty="0">
+              <a:rPr lang="en-US" sz="1600" b="1" kern="0" dirty="0">
                 <a:solidFill>
                   <a:srgbClr val="00B0F0"/>
                 </a:solidFill>
@@ -5447,7 +5539,7 @@
               <a:t>(</a:t>
             </a:r>
             <a:r>
-              <a:rPr lang="en-US" sz="1400" b="1" kern="0" dirty="0" err="1">
+              <a:rPr lang="en-US" sz="1600" b="1" kern="0" dirty="0" err="1">
                 <a:solidFill>
                   <a:srgbClr val="00B0F0"/>
                 </a:solidFill>
@@ -5459,7 +5551,7 @@
               <a:t>top_metabolites_MAR</a:t>
             </a:r>
             <a:r>
-              <a:rPr lang="en-US" sz="1400" b="1" kern="0" dirty="0">
+              <a:rPr lang="en-US" sz="1600" b="1" kern="0" dirty="0">
                 <a:solidFill>
                   <a:srgbClr val="00B0F0"/>
                 </a:solidFill>
@@ -5473,36 +5565,53 @@
           </a:p>
           <a:p>
             <a:r>
-              <a:rPr lang="en-US" sz="1400" b="1" kern="0" dirty="0">
+              <a:rPr lang="en-US" sz="1600" b="1" kern="0" dirty="0">
                 <a:latin typeface="Times New Roman" panose="02020603050405020304" pitchFamily="18" charset="0"/>
                 <a:ea typeface="Times New Roman" panose="02020603050405020304" pitchFamily="18" charset="0"/>
                 <a:cs typeface="Times New Roman" panose="02020603050405020304" pitchFamily="18" charset="0"/>
               </a:rPr>
-              <a:t>340-Threonylglutamine</a:t>
-            </a:r>
-          </a:p>
-          <a:p>
-            <a:r>
-              <a:rPr lang="en-US" sz="1400" b="1" kern="0" dirty="0">
-                <a:effectLst/>
+              <a:t>340-</a:t>
+            </a:r>
+            <a:r>
+              <a:rPr lang="en-US" sz="1600" kern="0" dirty="0">
                 <a:latin typeface="Times New Roman" panose="02020603050405020304" pitchFamily="18" charset="0"/>
                 <a:ea typeface="Times New Roman" panose="02020603050405020304" pitchFamily="18" charset="0"/>
                 <a:cs typeface="Times New Roman" panose="02020603050405020304" pitchFamily="18" charset="0"/>
               </a:rPr>
-              <a:t>332-ser-arg</a:t>
-            </a:r>
-          </a:p>
-          <a:p>
-            <a:r>
-              <a:rPr lang="en-US" sz="1400" b="1" kern="0" dirty="0">
+              <a:t>Threonylglutamine</a:t>
+            </a:r>
+          </a:p>
+          <a:p>
+            <a:r>
+              <a:rPr lang="en-US" sz="1600" b="1" kern="0" dirty="0">
+                <a:effectLst/>
                 <a:latin typeface="Times New Roman" panose="02020603050405020304" pitchFamily="18" charset="0"/>
                 <a:ea typeface="Times New Roman" panose="02020603050405020304" pitchFamily="18" charset="0"/>
                 <a:cs typeface="Times New Roman" panose="02020603050405020304" pitchFamily="18" charset="0"/>
               </a:rPr>
+              <a:t>332-</a:t>
+            </a:r>
+            <a:r>
+              <a:rPr lang="en-US" sz="1600" kern="0" dirty="0">
+                <a:effectLst/>
+                <a:latin typeface="Times New Roman" panose="02020603050405020304" pitchFamily="18" charset="0"/>
+                <a:ea typeface="Times New Roman" panose="02020603050405020304" pitchFamily="18" charset="0"/>
+                <a:cs typeface="Times New Roman" panose="02020603050405020304" pitchFamily="18" charset="0"/>
+              </a:rPr>
+              <a:t>ser-arg</a:t>
+            </a:r>
+          </a:p>
+          <a:p>
+            <a:r>
+              <a:rPr lang="en-US" sz="1600" b="1" kern="0" dirty="0">
+                <a:latin typeface="Times New Roman" panose="02020603050405020304" pitchFamily="18" charset="0"/>
+                <a:ea typeface="Times New Roman" panose="02020603050405020304" pitchFamily="18" charset="0"/>
+                <a:cs typeface="Times New Roman" panose="02020603050405020304" pitchFamily="18" charset="0"/>
+              </a:rPr>
               <a:t>198-</a:t>
             </a:r>
             <a:r>
-              <a:rPr lang="en-US" sz="1400" b="0" i="0" u="none" strike="noStrike" dirty="0">
+              <a:rPr lang="en-US" sz="1600" b="0" i="0" u="none" strike="noStrike" dirty="0">
                 <a:effectLst/>
                 <a:latin typeface="Times New Roman" panose="02020603050405020304" pitchFamily="18" charset="0"/>
                 <a:cs typeface="Times New Roman" panose="02020603050405020304" pitchFamily="18" charset="0"/>
@@ -5510,13 +5619,13 @@
               <a:t>gln-ala</a:t>
             </a:r>
             <a:r>
-              <a:rPr lang="en-US" sz="1400" dirty="0">
+              <a:rPr lang="en-US" sz="1600" dirty="0">
                 <a:latin typeface="Times New Roman" panose="02020603050405020304" pitchFamily="18" charset="0"/>
                 <a:cs typeface="Times New Roman" panose="02020603050405020304" pitchFamily="18" charset="0"/>
               </a:rPr>
               <a:t> </a:t>
             </a:r>
-            <a:endParaRPr lang="en-US" sz="1400" b="1" kern="0" dirty="0">
+            <a:endParaRPr lang="en-US" sz="1600" b="1" kern="0" dirty="0">
               <a:latin typeface="Times New Roman" panose="02020603050405020304" pitchFamily="18" charset="0"/>
               <a:ea typeface="Times New Roman" panose="02020603050405020304" pitchFamily="18" charset="0"/>
               <a:cs typeface="Times New Roman" panose="02020603050405020304" pitchFamily="18" charset="0"/>
@@ -5524,7 +5633,7 @@
           </a:p>
           <a:p>
             <a:r>
-              <a:rPr lang="en-US" sz="1400" b="1" kern="0" dirty="0">
+              <a:rPr lang="en-US" sz="1600" b="1" kern="0" dirty="0">
                 <a:effectLst/>
                 <a:latin typeface="Times New Roman" panose="02020603050405020304" pitchFamily="18" charset="0"/>
                 <a:ea typeface="Times New Roman" panose="02020603050405020304" pitchFamily="18" charset="0"/>
@@ -5533,7 +5642,7 @@
               <a:t>222-</a:t>
             </a:r>
             <a:r>
-              <a:rPr lang="en-US" sz="1400" b="0" i="0" u="none" strike="noStrike" dirty="0">
+              <a:rPr lang="en-US" sz="1600" b="0" i="0" u="none" strike="noStrike" dirty="0">
                 <a:effectLst/>
                 <a:latin typeface="Times New Roman" panose="02020603050405020304" pitchFamily="18" charset="0"/>
                 <a:cs typeface="Times New Roman" panose="02020603050405020304" pitchFamily="18" charset="0"/>
@@ -5541,13 +5650,13 @@
               <a:t>Hypusine</a:t>
             </a:r>
             <a:r>
-              <a:rPr lang="en-US" sz="1400" dirty="0">
+              <a:rPr lang="en-US" sz="1600" dirty="0">
                 <a:latin typeface="Times New Roman" panose="02020603050405020304" pitchFamily="18" charset="0"/>
                 <a:cs typeface="Times New Roman" panose="02020603050405020304" pitchFamily="18" charset="0"/>
               </a:rPr>
               <a:t> </a:t>
             </a:r>
-            <a:endParaRPr lang="en-US" sz="1400" b="1" kern="0" dirty="0">
+            <a:endParaRPr lang="en-US" sz="1600" b="1" kern="0" dirty="0">
               <a:effectLst/>
               <a:latin typeface="Times New Roman" panose="02020603050405020304" pitchFamily="18" charset="0"/>
               <a:ea typeface="Times New Roman" panose="02020603050405020304" pitchFamily="18" charset="0"/>
@@ -5556,7 +5665,7 @@
           </a:p>
           <a:p>
             <a:r>
-              <a:rPr lang="en-US" sz="1400" b="1" kern="0" dirty="0">
+              <a:rPr lang="en-US" sz="1600" b="1" kern="0" dirty="0">
                 <a:latin typeface="Times New Roman" panose="02020603050405020304" pitchFamily="18" charset="0"/>
                 <a:ea typeface="Times New Roman" panose="02020603050405020304" pitchFamily="18" charset="0"/>
                 <a:cs typeface="Times New Roman" panose="02020603050405020304" pitchFamily="18" charset="0"/>
@@ -5564,7 +5673,7 @@
               <a:t>128-</a:t>
             </a:r>
             <a:r>
-              <a:rPr lang="en-US" sz="1400" b="0" i="0" u="none" strike="noStrike" dirty="0">
+              <a:rPr lang="en-US" sz="1600" b="0" i="0" u="none" strike="noStrike" dirty="0">
                 <a:effectLst/>
                 <a:latin typeface="Times New Roman" panose="02020603050405020304" pitchFamily="18" charset="0"/>
                 <a:cs typeface="Times New Roman" panose="02020603050405020304" pitchFamily="18" charset="0"/>
@@ -5572,13 +5681,13 @@
               <a:t>Argininosuccinic acid</a:t>
             </a:r>
             <a:r>
-              <a:rPr lang="en-US" sz="1400" dirty="0">
+              <a:rPr lang="en-US" sz="1600" dirty="0">
                 <a:latin typeface="Times New Roman" panose="02020603050405020304" pitchFamily="18" charset="0"/>
                 <a:cs typeface="Times New Roman" panose="02020603050405020304" pitchFamily="18" charset="0"/>
               </a:rPr>
               <a:t> </a:t>
             </a:r>
-            <a:endParaRPr lang="en-US" sz="1400" b="1" kern="0" dirty="0">
+            <a:endParaRPr lang="en-US" sz="1600" b="1" kern="0" dirty="0">
               <a:effectLst/>
               <a:latin typeface="Times New Roman" panose="02020603050405020304" pitchFamily="18" charset="0"/>
               <a:ea typeface="Times New Roman" panose="02020603050405020304" pitchFamily="18" charset="0"/>
@@ -5587,7 +5696,7 @@
           </a:p>
           <a:p>
             <a:r>
-              <a:rPr lang="en-US" sz="1400" b="1" kern="0" dirty="0">
+              <a:rPr lang="en-US" sz="1600" b="1" kern="0" dirty="0">
                 <a:solidFill>
                   <a:srgbClr val="00B0F0"/>
                 </a:solidFill>
@@ -5599,7 +5708,7 @@
               <a:t>(</a:t>
             </a:r>
             <a:r>
-              <a:rPr lang="en-US" sz="1400" b="1" kern="0" dirty="0" err="1">
+              <a:rPr lang="en-US" sz="1600" b="1" kern="0" dirty="0" err="1">
                 <a:solidFill>
                   <a:srgbClr val="00B0F0"/>
                 </a:solidFill>
@@ -5611,7 +5720,7 @@
               <a:t>top_metabolites_OCT</a:t>
             </a:r>
             <a:r>
-              <a:rPr lang="en-US" sz="1400" b="1" kern="0" dirty="0">
+              <a:rPr lang="en-US" sz="1600" b="1" kern="0" dirty="0">
                 <a:solidFill>
                   <a:srgbClr val="00B0F0"/>
                 </a:solidFill>
@@ -5625,7 +5734,7 @@
           </a:p>
           <a:p>
             <a:r>
-              <a:rPr lang="en-US" sz="1400" b="1" kern="0" dirty="0">
+              <a:rPr lang="en-US" sz="1600" b="1" kern="0" dirty="0">
                 <a:latin typeface="Times New Roman" panose="02020603050405020304" pitchFamily="18" charset="0"/>
                 <a:ea typeface="Times New Roman" panose="02020603050405020304" pitchFamily="18" charset="0"/>
                 <a:cs typeface="Times New Roman" panose="02020603050405020304" pitchFamily="18" charset="0"/>
@@ -5633,7 +5742,7 @@
               <a:t>132-</a:t>
             </a:r>
             <a:r>
-              <a:rPr lang="en-US" sz="1400" b="0" i="0" u="none" strike="noStrike" dirty="0">
+              <a:rPr lang="en-US" sz="1600" b="0" i="0" u="none" strike="noStrike" dirty="0">
                 <a:effectLst/>
                 <a:latin typeface="Times New Roman" panose="02020603050405020304" pitchFamily="18" charset="0"/>
                 <a:cs typeface="Times New Roman" panose="02020603050405020304" pitchFamily="18" charset="0"/>
@@ -5641,13 +5750,13 @@
               <a:t>Asparagine</a:t>
             </a:r>
             <a:r>
-              <a:rPr lang="en-US" sz="1400" dirty="0">
+              <a:rPr lang="en-US" sz="1600" dirty="0">
                 <a:latin typeface="Times New Roman" panose="02020603050405020304" pitchFamily="18" charset="0"/>
                 <a:cs typeface="Times New Roman" panose="02020603050405020304" pitchFamily="18" charset="0"/>
               </a:rPr>
               <a:t> </a:t>
             </a:r>
-            <a:endParaRPr lang="en-US" sz="1400" b="1" kern="0" dirty="0">
+            <a:endParaRPr lang="en-US" sz="1600" b="1" kern="0" dirty="0">
               <a:latin typeface="Times New Roman" panose="02020603050405020304" pitchFamily="18" charset="0"/>
               <a:ea typeface="Times New Roman" panose="02020603050405020304" pitchFamily="18" charset="0"/>
               <a:cs typeface="Times New Roman" panose="02020603050405020304" pitchFamily="18" charset="0"/>
@@ -5655,7 +5764,7 @@
           </a:p>
           <a:p>
             <a:r>
-              <a:rPr lang="en-US" sz="1400" b="1" kern="0" dirty="0">
+              <a:rPr lang="en-US" sz="1600" b="1" kern="0" dirty="0">
                 <a:effectLst/>
                 <a:latin typeface="Times New Roman" panose="02020603050405020304" pitchFamily="18" charset="0"/>
                 <a:ea typeface="Times New Roman" panose="02020603050405020304" pitchFamily="18" charset="0"/>
@@ -5664,7 +5773,7 @@
               <a:t>347-</a:t>
             </a:r>
             <a:r>
-              <a:rPr lang="en-US" sz="1400" b="0" i="0" u="none" strike="noStrike" dirty="0">
+              <a:rPr lang="en-US" sz="1600" b="0" i="0" u="none" strike="noStrike" dirty="0">
                 <a:effectLst/>
                 <a:latin typeface="Times New Roman" panose="02020603050405020304" pitchFamily="18" charset="0"/>
                 <a:cs typeface="Times New Roman" panose="02020603050405020304" pitchFamily="18" charset="0"/>
@@ -5672,13 +5781,13 @@
               <a:t>Urea</a:t>
             </a:r>
             <a:r>
-              <a:rPr lang="en-US" sz="1400" dirty="0">
+              <a:rPr lang="en-US" sz="1600" dirty="0">
                 <a:latin typeface="Times New Roman" panose="02020603050405020304" pitchFamily="18" charset="0"/>
                 <a:cs typeface="Times New Roman" panose="02020603050405020304" pitchFamily="18" charset="0"/>
               </a:rPr>
               <a:t> </a:t>
             </a:r>
-            <a:endParaRPr lang="en-US" sz="1400" b="1" kern="0" dirty="0">
+            <a:endParaRPr lang="en-US" sz="1600" b="1" kern="0" dirty="0">
               <a:effectLst/>
               <a:latin typeface="Times New Roman" panose="02020603050405020304" pitchFamily="18" charset="0"/>
               <a:ea typeface="Times New Roman" panose="02020603050405020304" pitchFamily="18" charset="0"/>
@@ -5687,7 +5796,7 @@
           </a:p>
           <a:p>
             <a:r>
-              <a:rPr lang="en-US" sz="1400" b="1" kern="0" dirty="0">
+              <a:rPr lang="en-US" sz="1600" b="1" kern="0" dirty="0">
                 <a:latin typeface="Times New Roman" panose="02020603050405020304" pitchFamily="18" charset="0"/>
                 <a:ea typeface="Times New Roman" panose="02020603050405020304" pitchFamily="18" charset="0"/>
                 <a:cs typeface="Times New Roman" panose="02020603050405020304" pitchFamily="18" charset="0"/>
@@ -5695,7 +5804,7 @@
               <a:t>91-</a:t>
             </a:r>
             <a:r>
-              <a:rPr lang="en-US" sz="1400" b="0" i="0" u="none" strike="noStrike" dirty="0">
+              <a:rPr lang="en-US" sz="1600" b="0" i="0" u="none" strike="noStrike" dirty="0">
                 <a:effectLst/>
                 <a:latin typeface="Times New Roman" panose="02020603050405020304" pitchFamily="18" charset="0"/>
                 <a:cs typeface="Times New Roman" panose="02020603050405020304" pitchFamily="18" charset="0"/>
@@ -5703,13 +5812,13 @@
               <a:t>4-Guanidinobutyric acid</a:t>
             </a:r>
             <a:r>
-              <a:rPr lang="en-US" sz="1400" dirty="0">
+              <a:rPr lang="en-US" sz="1600" dirty="0">
                 <a:latin typeface="Times New Roman" panose="02020603050405020304" pitchFamily="18" charset="0"/>
                 <a:cs typeface="Times New Roman" panose="02020603050405020304" pitchFamily="18" charset="0"/>
               </a:rPr>
               <a:t> </a:t>
             </a:r>
-            <a:endParaRPr lang="en-US" sz="1400" b="1" kern="0" dirty="0">
+            <a:endParaRPr lang="en-US" sz="1600" b="1" kern="0" dirty="0">
               <a:effectLst/>
               <a:latin typeface="Times New Roman" panose="02020603050405020304" pitchFamily="18" charset="0"/>
               <a:ea typeface="Times New Roman" panose="02020603050405020304" pitchFamily="18" charset="0"/>
@@ -5718,7 +5827,7 @@
           </a:p>
           <a:p>
             <a:r>
-              <a:rPr lang="en-US" sz="1400" b="1" kern="100" dirty="0">
+              <a:rPr lang="en-US" sz="1600" b="1" kern="100" dirty="0">
                 <a:effectLst/>
                 <a:latin typeface="Times New Roman" panose="02020603050405020304" pitchFamily="18" charset="0"/>
                 <a:ea typeface="Calibri" panose="020F0502020204030204" pitchFamily="34" charset="0"/>
@@ -5727,7 +5836,7 @@
               <a:t>85-</a:t>
             </a:r>
             <a:r>
-              <a:rPr lang="es-ES" sz="1400" b="0" i="0" u="none" strike="noStrike" dirty="0">
+              <a:rPr lang="es-ES" sz="1600" b="0" i="0" u="none" strike="noStrike" dirty="0">
                 <a:effectLst/>
                 <a:latin typeface="Times New Roman" panose="02020603050405020304" pitchFamily="18" charset="0"/>
                 <a:cs typeface="Times New Roman" panose="02020603050405020304" pitchFamily="18" charset="0"/>
@@ -5735,7 +5844,7 @@
               <a:t>4-[(3-Acetamidopropyl)amino]</a:t>
             </a:r>
             <a:r>
-              <a:rPr lang="es-ES" sz="1400" b="0" i="0" u="none" strike="noStrike" dirty="0" err="1">
+              <a:rPr lang="es-ES" sz="1600" b="0" i="0" u="none" strike="noStrike" dirty="0" err="1">
                 <a:effectLst/>
                 <a:latin typeface="Times New Roman" panose="02020603050405020304" pitchFamily="18" charset="0"/>
                 <a:cs typeface="Times New Roman" panose="02020603050405020304" pitchFamily="18" charset="0"/>
@@ -5743,7 +5852,7 @@
               <a:t>butanoic</a:t>
             </a:r>
             <a:r>
-              <a:rPr lang="es-ES" sz="1400" b="0" i="0" u="none" strike="noStrike" dirty="0">
+              <a:rPr lang="es-ES" sz="1600" b="0" i="0" u="none" strike="noStrike" dirty="0">
                 <a:effectLst/>
                 <a:latin typeface="Times New Roman" panose="02020603050405020304" pitchFamily="18" charset="0"/>
                 <a:cs typeface="Times New Roman" panose="02020603050405020304" pitchFamily="18" charset="0"/>
@@ -5751,7 +5860,7 @@
               <a:t> </a:t>
             </a:r>
             <a:r>
-              <a:rPr lang="es-ES" sz="1400" b="0" i="0" u="none" strike="noStrike" dirty="0" err="1">
+              <a:rPr lang="es-ES" sz="1600" b="0" i="0" u="none" strike="noStrike" dirty="0" err="1">
                 <a:effectLst/>
                 <a:latin typeface="Times New Roman" panose="02020603050405020304" pitchFamily="18" charset="0"/>
                 <a:cs typeface="Times New Roman" panose="02020603050405020304" pitchFamily="18" charset="0"/>
@@ -5759,13 +5868,13 @@
               <a:t>acid</a:t>
             </a:r>
             <a:r>
-              <a:rPr lang="es-ES" sz="1400" dirty="0">
+              <a:rPr lang="es-ES" sz="1600" dirty="0">
                 <a:latin typeface="Times New Roman" panose="02020603050405020304" pitchFamily="18" charset="0"/>
                 <a:cs typeface="Times New Roman" panose="02020603050405020304" pitchFamily="18" charset="0"/>
               </a:rPr>
               <a:t> </a:t>
             </a:r>
-            <a:endParaRPr lang="en-US" sz="1400" b="1" kern="100" dirty="0">
+            <a:endParaRPr lang="en-US" sz="1600" b="1" kern="100" dirty="0">
               <a:effectLst/>
               <a:latin typeface="Times New Roman" panose="02020603050405020304" pitchFamily="18" charset="0"/>
               <a:ea typeface="Calibri" panose="020F0502020204030204" pitchFamily="34" charset="0"/>
@@ -5774,7 +5883,7 @@
           </a:p>
           <a:p>
             <a:r>
-              <a:rPr lang="en-US" sz="1400" b="1" kern="100" dirty="0">
+              <a:rPr lang="en-US" sz="1600" b="1" kern="100" dirty="0">
                 <a:latin typeface="Times New Roman" panose="02020603050405020304" pitchFamily="18" charset="0"/>
                 <a:ea typeface="Calibri" panose="020F0502020204030204" pitchFamily="34" charset="0"/>
                 <a:cs typeface="Times New Roman" panose="02020603050405020304" pitchFamily="18" charset="0"/>
@@ -5782,14 +5891,14 @@
               <a:t>20-</a:t>
             </a:r>
             <a:r>
-              <a:rPr lang="en-US" sz="1400" b="0" i="0" u="none" strike="noStrike" dirty="0">
+              <a:rPr lang="en-US" sz="1600" b="0" i="0" u="none" strike="noStrike" dirty="0">
                 <a:effectLst/>
                 <a:latin typeface="Times New Roman" panose="02020603050405020304" pitchFamily="18" charset="0"/>
                 <a:cs typeface="Times New Roman" panose="02020603050405020304" pitchFamily="18" charset="0"/>
               </a:rPr>
               <a:t> {3-[(3-{[4-(Hydroxymethyl)cyclohexyl]amino}-3-oxetanyl)methyl]-1,2-oxazol-5-yl}methanol</a:t>
             </a:r>
-            <a:endParaRPr lang="en-US" sz="1400" b="1" kern="100" dirty="0">
+            <a:endParaRPr lang="en-US" sz="1600" b="1" kern="100" dirty="0">
               <a:effectLst/>
               <a:latin typeface="Times New Roman" panose="02020603050405020304" pitchFamily="18" charset="0"/>
               <a:ea typeface="Calibri" panose="020F0502020204030204" pitchFamily="34" charset="0"/>
@@ -5797,7 +5906,7 @@
             </a:endParaRPr>
           </a:p>
           <a:p>
-            <a:endParaRPr lang="en-US" sz="1800" b="1" kern="100" dirty="0">
+            <a:endParaRPr lang="en-US" sz="1700" b="1" kern="100" dirty="0">
               <a:effectLst/>
               <a:latin typeface="Times New Roman" panose="02020603050405020304" pitchFamily="18" charset="0"/>
               <a:ea typeface="Calibri" panose="020F0502020204030204" pitchFamily="34" charset="0"/>
@@ -5855,7 +5964,12 @@
             <p:ph type="title"/>
           </p:nvPr>
         </p:nvSpPr>
-        <p:spPr/>
+        <p:spPr>
+          <a:xfrm>
+            <a:off x="0" y="0"/>
+            <a:ext cx="11933382" cy="1325563"/>
+          </a:xfrm>
+        </p:spPr>
         <p:txBody>
           <a:bodyPr/>
           <a:lstStyle/>

--- a/data/last presentation.pptx
+++ b/data/last presentation.pptx
@@ -3751,8 +3751,8 @@
         </p:blipFill>
         <p:spPr>
           <a:xfrm>
-            <a:off x="132195" y="1981949"/>
-            <a:ext cx="5534025" cy="3685427"/>
+            <a:off x="554182" y="1981949"/>
+            <a:ext cx="5112038" cy="4183178"/>
           </a:xfrm>
         </p:spPr>
       </p:pic>
@@ -3855,14 +3855,160 @@
         </p:blipFill>
         <p:spPr>
           <a:xfrm>
-            <a:off x="5831005" y="1930755"/>
-            <a:ext cx="6334484" cy="4234372"/>
+            <a:off x="6336145" y="1930755"/>
+            <a:ext cx="5829344" cy="4234372"/>
           </a:xfrm>
           <a:prstGeom prst="rect">
             <a:avLst/>
           </a:prstGeom>
         </p:spPr>
       </p:pic>
+      <p:sp>
+        <p:nvSpPr>
+          <p:cNvPr id="3" name="TextBox 2">
+            <a:extLst>
+              <a:ext uri="{FF2B5EF4-FFF2-40B4-BE49-F238E27FC236}">
+                <a16:creationId xmlns:a16="http://schemas.microsoft.com/office/drawing/2014/main" id="{CB717222-2310-F56F-D30D-FF8E76F0E64D}"/>
+              </a:ext>
+            </a:extLst>
+          </p:cNvPr>
+          <p:cNvSpPr txBox="1"/>
+          <p:nvPr/>
+        </p:nvSpPr>
+        <p:spPr>
+          <a:xfrm rot="16200000">
+            <a:off x="-429352" y="3639127"/>
+            <a:ext cx="1616364" cy="646331"/>
+          </a:xfrm>
+          <a:prstGeom prst="rect">
+            <a:avLst/>
+          </a:prstGeom>
+          <a:noFill/>
+        </p:spPr>
+        <p:txBody>
+          <a:bodyPr wrap="square" rtlCol="0">
+            <a:spAutoFit/>
+          </a:bodyPr>
+          <a:lstStyle/>
+          <a:p>
+            <a:r>
+              <a:rPr lang="en-US" dirty="0"/>
+              <a:t>Metabolites</a:t>
+            </a:r>
+          </a:p>
+          <a:p>
+            <a:endParaRPr lang="en-US" dirty="0"/>
+          </a:p>
+        </p:txBody>
+      </p:sp>
+      <p:sp>
+        <p:nvSpPr>
+          <p:cNvPr id="4" name="TextBox 3">
+            <a:extLst>
+              <a:ext uri="{FF2B5EF4-FFF2-40B4-BE49-F238E27FC236}">
+                <a16:creationId xmlns:a16="http://schemas.microsoft.com/office/drawing/2014/main" id="{6B964D65-7172-E268-936B-A47EB37FABF6}"/>
+              </a:ext>
+            </a:extLst>
+          </p:cNvPr>
+          <p:cNvSpPr txBox="1"/>
+          <p:nvPr/>
+        </p:nvSpPr>
+        <p:spPr>
+          <a:xfrm rot="16200000">
+            <a:off x="5310151" y="3454400"/>
+            <a:ext cx="1782618" cy="646331"/>
+          </a:xfrm>
+          <a:prstGeom prst="rect">
+            <a:avLst/>
+          </a:prstGeom>
+          <a:noFill/>
+        </p:spPr>
+        <p:txBody>
+          <a:bodyPr wrap="square" rtlCol="0">
+            <a:spAutoFit/>
+          </a:bodyPr>
+          <a:lstStyle/>
+          <a:p>
+            <a:r>
+              <a:rPr lang="en-US" dirty="0"/>
+              <a:t>Metabolites</a:t>
+            </a:r>
+          </a:p>
+          <a:p>
+            <a:endParaRPr lang="en-US" dirty="0"/>
+          </a:p>
+        </p:txBody>
+      </p:sp>
+      <p:sp>
+        <p:nvSpPr>
+          <p:cNvPr id="8" name="TextBox 7">
+            <a:extLst>
+              <a:ext uri="{FF2B5EF4-FFF2-40B4-BE49-F238E27FC236}">
+                <a16:creationId xmlns:a16="http://schemas.microsoft.com/office/drawing/2014/main" id="{5D11744E-CB92-5526-98CB-A1895F957AA9}"/>
+              </a:ext>
+            </a:extLst>
+          </p:cNvPr>
+          <p:cNvSpPr txBox="1"/>
+          <p:nvPr/>
+        </p:nvSpPr>
+        <p:spPr>
+          <a:xfrm>
+            <a:off x="2216943" y="6221398"/>
+            <a:ext cx="1900236" cy="369332"/>
+          </a:xfrm>
+          <a:prstGeom prst="rect">
+            <a:avLst/>
+          </a:prstGeom>
+          <a:noFill/>
+        </p:spPr>
+        <p:txBody>
+          <a:bodyPr wrap="square" rtlCol="0">
+            <a:spAutoFit/>
+          </a:bodyPr>
+          <a:lstStyle/>
+          <a:p>
+            <a:r>
+              <a:rPr lang="en-US" dirty="0"/>
+              <a:t>variable</a:t>
+            </a:r>
+          </a:p>
+        </p:txBody>
+      </p:sp>
+      <p:sp>
+        <p:nvSpPr>
+          <p:cNvPr id="10" name="TextBox 9">
+            <a:extLst>
+              <a:ext uri="{FF2B5EF4-FFF2-40B4-BE49-F238E27FC236}">
+                <a16:creationId xmlns:a16="http://schemas.microsoft.com/office/drawing/2014/main" id="{D36050B0-BE5A-6435-278C-085A9935D203}"/>
+              </a:ext>
+            </a:extLst>
+          </p:cNvPr>
+          <p:cNvSpPr txBox="1"/>
+          <p:nvPr/>
+        </p:nvSpPr>
+        <p:spPr>
+          <a:xfrm>
+            <a:off x="8959273" y="6267457"/>
+            <a:ext cx="1320800" cy="369332"/>
+          </a:xfrm>
+          <a:prstGeom prst="rect">
+            <a:avLst/>
+          </a:prstGeom>
+          <a:noFill/>
+        </p:spPr>
+        <p:txBody>
+          <a:bodyPr wrap="square" rtlCol="0">
+            <a:spAutoFit/>
+          </a:bodyPr>
+          <a:lstStyle/>
+          <a:p>
+            <a:r>
+              <a:rPr lang="en-US" dirty="0"/>
+              <a:t>variable</a:t>
+            </a:r>
+          </a:p>
+        </p:txBody>
+      </p:sp>
     </p:spTree>
     <p:extLst>
       <p:ext uri="{BB962C8B-B14F-4D97-AF65-F5344CB8AC3E}">
@@ -4015,13 +4161,13 @@
         </p:nvPicPr>
         <p:blipFill rotWithShape="1">
           <a:blip r:embed="rId2"/>
-          <a:srcRect l="18718" t="13870" r="21344" b="17568"/>
+          <a:srcRect l="20008" t="13870" r="21345" b="17568"/>
           <a:stretch/>
         </p:blipFill>
         <p:spPr>
           <a:xfrm>
-            <a:off x="590062" y="1832692"/>
-            <a:ext cx="4767030" cy="3855249"/>
+            <a:off x="692726" y="1832692"/>
+            <a:ext cx="4664365" cy="3855249"/>
           </a:xfrm>
           <a:prstGeom prst="rect">
             <a:avLst/>
@@ -4155,6 +4301,152 @@
               <a:latin typeface="Times New Roman" panose="02020603050405020304" pitchFamily="18" charset="0"/>
               <a:cs typeface="Times New Roman" panose="02020603050405020304" pitchFamily="18" charset="0"/>
             </a:endParaRPr>
+          </a:p>
+        </p:txBody>
+      </p:sp>
+      <p:sp>
+        <p:nvSpPr>
+          <p:cNvPr id="3" name="TextBox 2">
+            <a:extLst>
+              <a:ext uri="{FF2B5EF4-FFF2-40B4-BE49-F238E27FC236}">
+                <a16:creationId xmlns:a16="http://schemas.microsoft.com/office/drawing/2014/main" id="{BE88479E-8D0E-AD01-C466-BE1F74FB5BBF}"/>
+              </a:ext>
+            </a:extLst>
+          </p:cNvPr>
+          <p:cNvSpPr txBox="1"/>
+          <p:nvPr/>
+        </p:nvSpPr>
+        <p:spPr>
+          <a:xfrm rot="16200000">
+            <a:off x="-461817" y="3232728"/>
+            <a:ext cx="1884218" cy="646331"/>
+          </a:xfrm>
+          <a:prstGeom prst="rect">
+            <a:avLst/>
+          </a:prstGeom>
+          <a:noFill/>
+        </p:spPr>
+        <p:txBody>
+          <a:bodyPr wrap="square" rtlCol="0">
+            <a:spAutoFit/>
+          </a:bodyPr>
+          <a:lstStyle/>
+          <a:p>
+            <a:r>
+              <a:rPr lang="en-US" dirty="0"/>
+              <a:t>Metabolites</a:t>
+            </a:r>
+          </a:p>
+          <a:p>
+            <a:endParaRPr lang="en-US" dirty="0"/>
+          </a:p>
+        </p:txBody>
+      </p:sp>
+      <p:sp>
+        <p:nvSpPr>
+          <p:cNvPr id="4" name="TextBox 3">
+            <a:extLst>
+              <a:ext uri="{FF2B5EF4-FFF2-40B4-BE49-F238E27FC236}">
+                <a16:creationId xmlns:a16="http://schemas.microsoft.com/office/drawing/2014/main" id="{D8109D53-1CBB-49E7-69C1-A8757DA89A41}"/>
+              </a:ext>
+            </a:extLst>
+          </p:cNvPr>
+          <p:cNvSpPr txBox="1"/>
+          <p:nvPr/>
+        </p:nvSpPr>
+        <p:spPr>
+          <a:xfrm rot="16200000">
+            <a:off x="6197492" y="3232727"/>
+            <a:ext cx="2106000" cy="646331"/>
+          </a:xfrm>
+          <a:prstGeom prst="rect">
+            <a:avLst/>
+          </a:prstGeom>
+          <a:noFill/>
+        </p:spPr>
+        <p:txBody>
+          <a:bodyPr wrap="square" rtlCol="0">
+            <a:spAutoFit/>
+          </a:bodyPr>
+          <a:lstStyle/>
+          <a:p>
+            <a:r>
+              <a:rPr lang="en-US" dirty="0"/>
+              <a:t>Metabolites</a:t>
+            </a:r>
+          </a:p>
+          <a:p>
+            <a:endParaRPr lang="en-US" dirty="0"/>
+          </a:p>
+        </p:txBody>
+      </p:sp>
+      <p:sp>
+        <p:nvSpPr>
+          <p:cNvPr id="7" name="TextBox 6">
+            <a:extLst>
+              <a:ext uri="{FF2B5EF4-FFF2-40B4-BE49-F238E27FC236}">
+                <a16:creationId xmlns:a16="http://schemas.microsoft.com/office/drawing/2014/main" id="{514FD3C0-8830-DD6E-BB7A-C3AEF3A62B8E}"/>
+              </a:ext>
+            </a:extLst>
+          </p:cNvPr>
+          <p:cNvSpPr txBox="1"/>
+          <p:nvPr/>
+        </p:nvSpPr>
+        <p:spPr>
+          <a:xfrm>
+            <a:off x="2170499" y="5865152"/>
+            <a:ext cx="2124409" cy="369332"/>
+          </a:xfrm>
+          <a:prstGeom prst="rect">
+            <a:avLst/>
+          </a:prstGeom>
+          <a:noFill/>
+        </p:spPr>
+        <p:txBody>
+          <a:bodyPr wrap="square" rtlCol="0">
+            <a:spAutoFit/>
+          </a:bodyPr>
+          <a:lstStyle/>
+          <a:p>
+            <a:r>
+              <a:rPr lang="en-US" dirty="0"/>
+              <a:t>variable</a:t>
+            </a:r>
+          </a:p>
+        </p:txBody>
+      </p:sp>
+      <p:sp>
+        <p:nvSpPr>
+          <p:cNvPr id="10" name="TextBox 9">
+            <a:extLst>
+              <a:ext uri="{FF2B5EF4-FFF2-40B4-BE49-F238E27FC236}">
+                <a16:creationId xmlns:a16="http://schemas.microsoft.com/office/drawing/2014/main" id="{F9BE8403-614B-3F3F-75B9-8B8F46B3508E}"/>
+              </a:ext>
+            </a:extLst>
+          </p:cNvPr>
+          <p:cNvSpPr txBox="1"/>
+          <p:nvPr/>
+        </p:nvSpPr>
+        <p:spPr>
+          <a:xfrm>
+            <a:off x="9347201" y="5903638"/>
+            <a:ext cx="2068945" cy="369332"/>
+          </a:xfrm>
+          <a:prstGeom prst="rect">
+            <a:avLst/>
+          </a:prstGeom>
+          <a:noFill/>
+        </p:spPr>
+        <p:txBody>
+          <a:bodyPr wrap="square" rtlCol="0">
+            <a:spAutoFit/>
+          </a:bodyPr>
+          <a:lstStyle/>
+          <a:p>
+            <a:r>
+              <a:rPr lang="en-US" dirty="0"/>
+              <a:t>variable</a:t>
+            </a:r>
           </a:p>
         </p:txBody>
       </p:sp>
@@ -4242,16 +4534,15 @@
             <p:ph idx="1"/>
           </p:nvPr>
         </p:nvPicPr>
-        <p:blipFill>
+        <p:blipFill rotWithShape="1">
           <a:blip r:embed="rId2"/>
-          <a:stretch>
-            <a:fillRect/>
-          </a:stretch>
+          <a:srcRect/>
+          <a:stretch/>
         </p:blipFill>
         <p:spPr>
           <a:xfrm>
-            <a:off x="141775" y="1773198"/>
-            <a:ext cx="6168228" cy="4719966"/>
+            <a:off x="720435" y="1773198"/>
+            <a:ext cx="5589567" cy="4719966"/>
           </a:xfrm>
         </p:spPr>
       </p:pic>
@@ -4346,22 +4637,164 @@
           </p:cNvPicPr>
           <p:nvPr/>
         </p:nvPicPr>
-        <p:blipFill>
+        <p:blipFill rotWithShape="1">
           <a:blip r:embed="rId3"/>
-          <a:stretch>
-            <a:fillRect/>
-          </a:stretch>
+          <a:srcRect t="2826"/>
+          <a:stretch/>
         </p:blipFill>
         <p:spPr>
           <a:xfrm>
-            <a:off x="6256862" y="1773198"/>
-            <a:ext cx="5935138" cy="4719966"/>
+            <a:off x="6844145" y="1906567"/>
+            <a:ext cx="5400996" cy="4586597"/>
           </a:xfrm>
           <a:prstGeom prst="rect">
             <a:avLst/>
           </a:prstGeom>
         </p:spPr>
       </p:pic>
+      <p:sp>
+        <p:nvSpPr>
+          <p:cNvPr id="4" name="TextBox 3">
+            <a:extLst>
+              <a:ext uri="{FF2B5EF4-FFF2-40B4-BE49-F238E27FC236}">
+                <a16:creationId xmlns:a16="http://schemas.microsoft.com/office/drawing/2014/main" id="{6FEF1B4D-59A3-9387-9F2C-C0991F75158A}"/>
+              </a:ext>
+            </a:extLst>
+          </p:cNvPr>
+          <p:cNvSpPr txBox="1"/>
+          <p:nvPr/>
+        </p:nvSpPr>
+        <p:spPr>
+          <a:xfrm rot="16200000">
+            <a:off x="-389083" y="3509818"/>
+            <a:ext cx="1684894" cy="369332"/>
+          </a:xfrm>
+          <a:prstGeom prst="rect">
+            <a:avLst/>
+          </a:prstGeom>
+          <a:noFill/>
+        </p:spPr>
+        <p:txBody>
+          <a:bodyPr wrap="square" rtlCol="0">
+            <a:spAutoFit/>
+          </a:bodyPr>
+          <a:lstStyle/>
+          <a:p>
+            <a:r>
+              <a:rPr lang="en-US" dirty="0"/>
+              <a:t>Metabolites</a:t>
+            </a:r>
+          </a:p>
+        </p:txBody>
+      </p:sp>
+      <p:sp>
+        <p:nvSpPr>
+          <p:cNvPr id="8" name="TextBox 7">
+            <a:extLst>
+              <a:ext uri="{FF2B5EF4-FFF2-40B4-BE49-F238E27FC236}">
+                <a16:creationId xmlns:a16="http://schemas.microsoft.com/office/drawing/2014/main" id="{B5AB90C8-B687-D8F7-C876-0255880F0B09}"/>
+              </a:ext>
+            </a:extLst>
+          </p:cNvPr>
+          <p:cNvSpPr txBox="1"/>
+          <p:nvPr/>
+        </p:nvSpPr>
+        <p:spPr>
+          <a:xfrm rot="16200000" flipH="1">
+            <a:off x="6056976" y="3657786"/>
+            <a:ext cx="1574337" cy="646331"/>
+          </a:xfrm>
+          <a:prstGeom prst="rect">
+            <a:avLst/>
+          </a:prstGeom>
+          <a:noFill/>
+        </p:spPr>
+        <p:txBody>
+          <a:bodyPr wrap="square" rtlCol="0">
+            <a:spAutoFit/>
+          </a:bodyPr>
+          <a:lstStyle/>
+          <a:p>
+            <a:r>
+              <a:rPr lang="en-US" dirty="0"/>
+              <a:t>Metabolites</a:t>
+            </a:r>
+          </a:p>
+          <a:p>
+            <a:endParaRPr lang="en-US" dirty="0"/>
+          </a:p>
+        </p:txBody>
+      </p:sp>
+      <p:sp>
+        <p:nvSpPr>
+          <p:cNvPr id="10" name="TextBox 9">
+            <a:extLst>
+              <a:ext uri="{FF2B5EF4-FFF2-40B4-BE49-F238E27FC236}">
+                <a16:creationId xmlns:a16="http://schemas.microsoft.com/office/drawing/2014/main" id="{AEA336EF-E54D-890B-DB13-12C57FE8DABA}"/>
+              </a:ext>
+            </a:extLst>
+          </p:cNvPr>
+          <p:cNvSpPr txBox="1"/>
+          <p:nvPr/>
+        </p:nvSpPr>
+        <p:spPr>
+          <a:xfrm>
+            <a:off x="2456872" y="6488668"/>
+            <a:ext cx="2429164" cy="369332"/>
+          </a:xfrm>
+          <a:prstGeom prst="rect">
+            <a:avLst/>
+          </a:prstGeom>
+          <a:noFill/>
+        </p:spPr>
+        <p:txBody>
+          <a:bodyPr wrap="square" rtlCol="0">
+            <a:spAutoFit/>
+          </a:bodyPr>
+          <a:lstStyle/>
+          <a:p>
+            <a:r>
+              <a:rPr lang="en-US" dirty="0"/>
+              <a:t>variable</a:t>
+            </a:r>
+          </a:p>
+        </p:txBody>
+      </p:sp>
+      <p:sp>
+        <p:nvSpPr>
+          <p:cNvPr id="11" name="TextBox 10">
+            <a:extLst>
+              <a:ext uri="{FF2B5EF4-FFF2-40B4-BE49-F238E27FC236}">
+                <a16:creationId xmlns:a16="http://schemas.microsoft.com/office/drawing/2014/main" id="{3E76D37C-7F8A-D93E-FEF1-53745BF5CC97}"/>
+              </a:ext>
+            </a:extLst>
+          </p:cNvPr>
+          <p:cNvSpPr txBox="1"/>
+          <p:nvPr/>
+        </p:nvSpPr>
+        <p:spPr>
+          <a:xfrm>
+            <a:off x="9060872" y="6488668"/>
+            <a:ext cx="1865746" cy="369332"/>
+          </a:xfrm>
+          <a:prstGeom prst="rect">
+            <a:avLst/>
+          </a:prstGeom>
+          <a:noFill/>
+        </p:spPr>
+        <p:txBody>
+          <a:bodyPr wrap="square" rtlCol="0">
+            <a:spAutoFit/>
+          </a:bodyPr>
+          <a:lstStyle/>
+          <a:p>
+            <a:r>
+              <a:rPr lang="en-US" dirty="0"/>
+              <a:t>variable</a:t>
+            </a:r>
+          </a:p>
+        </p:txBody>
+      </p:sp>
     </p:spTree>
     <p:extLst>
       <p:ext uri="{BB962C8B-B14F-4D97-AF65-F5344CB8AC3E}">

--- a/data/last presentation.pptx
+++ b/data/last presentation.pptx
@@ -7,12 +7,13 @@
   <p:sldIdLst>
     <p:sldId id="257" r:id="rId2"/>
     <p:sldId id="258" r:id="rId3"/>
-    <p:sldId id="259" r:id="rId4"/>
-    <p:sldId id="262" r:id="rId5"/>
-    <p:sldId id="260" r:id="rId6"/>
-    <p:sldId id="261" r:id="rId7"/>
-    <p:sldId id="263" r:id="rId8"/>
-    <p:sldId id="264" r:id="rId9"/>
+    <p:sldId id="265" r:id="rId4"/>
+    <p:sldId id="259" r:id="rId5"/>
+    <p:sldId id="262" r:id="rId6"/>
+    <p:sldId id="260" r:id="rId7"/>
+    <p:sldId id="261" r:id="rId8"/>
+    <p:sldId id="263" r:id="rId9"/>
+    <p:sldId id="264" r:id="rId10"/>
   </p:sldIdLst>
   <p:sldSz cx="12192000" cy="6858000"/>
   <p:notesSz cx="6858000" cy="9144000"/>
@@ -3604,6 +3605,186 @@
           <p:cNvPr id="2" name="Title 1">
             <a:extLst>
               <a:ext uri="{FF2B5EF4-FFF2-40B4-BE49-F238E27FC236}">
+                <a16:creationId xmlns:a16="http://schemas.microsoft.com/office/drawing/2014/main" id="{3A036BF5-6BEB-E0A8-316B-2953A44D9418}"/>
+              </a:ext>
+            </a:extLst>
+          </p:cNvPr>
+          <p:cNvSpPr>
+            <a:spLocks noGrp="1"/>
+          </p:cNvSpPr>
+          <p:nvPr>
+            <p:ph type="title"/>
+          </p:nvPr>
+        </p:nvSpPr>
+        <p:spPr/>
+        <p:txBody>
+          <a:bodyPr/>
+          <a:lstStyle/>
+          <a:p>
+            <a:pPr algn="ctr"/>
+            <a:r>
+              <a:rPr lang="en-US" b="1" dirty="0">
+                <a:latin typeface="Times New Roman" panose="02020603050405020304" pitchFamily="18" charset="0"/>
+                <a:cs typeface="Times New Roman" panose="02020603050405020304" pitchFamily="18" charset="0"/>
+              </a:rPr>
+              <a:t>Packages Used</a:t>
+            </a:r>
+          </a:p>
+        </p:txBody>
+      </p:sp>
+      <p:sp>
+        <p:nvSpPr>
+          <p:cNvPr id="3" name="Content Placeholder 2">
+            <a:extLst>
+              <a:ext uri="{FF2B5EF4-FFF2-40B4-BE49-F238E27FC236}">
+                <a16:creationId xmlns:a16="http://schemas.microsoft.com/office/drawing/2014/main" id="{17EE3B95-6198-984F-0D95-4F557597BD2C}"/>
+              </a:ext>
+            </a:extLst>
+          </p:cNvPr>
+          <p:cNvSpPr>
+            <a:spLocks noGrp="1"/>
+          </p:cNvSpPr>
+          <p:nvPr>
+            <p:ph idx="1"/>
+          </p:nvPr>
+        </p:nvSpPr>
+        <p:spPr/>
+        <p:txBody>
+          <a:bodyPr>
+            <a:normAutofit lnSpcReduction="10000"/>
+          </a:bodyPr>
+          <a:lstStyle/>
+          <a:p>
+            <a:r>
+              <a:rPr lang="en-US" dirty="0"/>
+              <a:t>(openxlsx) </a:t>
+            </a:r>
+          </a:p>
+          <a:p>
+            <a:r>
+              <a:rPr lang="en-US" dirty="0"/>
+              <a:t>(ggplot2)</a:t>
+            </a:r>
+          </a:p>
+          <a:p>
+            <a:r>
+              <a:rPr lang="en-US" dirty="0"/>
+              <a:t>(</a:t>
+            </a:r>
+            <a:r>
+              <a:rPr lang="en-US" dirty="0" err="1"/>
+              <a:t>ggpubr</a:t>
+            </a:r>
+            <a:r>
+              <a:rPr lang="en-US" dirty="0"/>
+              <a:t>)</a:t>
+            </a:r>
+          </a:p>
+          <a:p>
+            <a:r>
+              <a:rPr lang="en-US" dirty="0"/>
+              <a:t>(</a:t>
+            </a:r>
+            <a:r>
+              <a:rPr lang="en-US" dirty="0" err="1"/>
+              <a:t>ggthemes</a:t>
+            </a:r>
+            <a:r>
+              <a:rPr lang="en-US" dirty="0"/>
+              <a:t>) </a:t>
+            </a:r>
+          </a:p>
+          <a:p>
+            <a:r>
+              <a:rPr lang="en-US" dirty="0"/>
+              <a:t>(ggpubr)</a:t>
+            </a:r>
+          </a:p>
+          <a:p>
+            <a:r>
+              <a:rPr lang="en-US" dirty="0"/>
+              <a:t>(</a:t>
+            </a:r>
+            <a:r>
+              <a:rPr lang="en-US" dirty="0" err="1"/>
+              <a:t>ggthemes</a:t>
+            </a:r>
+            <a:r>
+              <a:rPr lang="en-US" dirty="0"/>
+              <a:t>)</a:t>
+            </a:r>
+          </a:p>
+          <a:p>
+            <a:r>
+              <a:rPr lang="en-US" dirty="0"/>
+              <a:t>(</a:t>
+            </a:r>
+            <a:r>
+              <a:rPr lang="en-US" dirty="0" err="1"/>
+              <a:t>gmodels</a:t>
+            </a:r>
+            <a:r>
+              <a:rPr lang="en-US" dirty="0"/>
+              <a:t>)</a:t>
+            </a:r>
+          </a:p>
+          <a:p>
+            <a:r>
+              <a:rPr lang="en-US" dirty="0"/>
+              <a:t>(export)</a:t>
+            </a:r>
+          </a:p>
+          <a:p>
+            <a:r>
+              <a:rPr lang="en-US" dirty="0"/>
+              <a:t>(</a:t>
+            </a:r>
+            <a:r>
+              <a:rPr lang="en-US" dirty="0" err="1"/>
+              <a:t>tidyverse</a:t>
+            </a:r>
+            <a:r>
+              <a:rPr lang="en-US" dirty="0"/>
+              <a:t>)</a:t>
+            </a:r>
+          </a:p>
+        </p:txBody>
+      </p:sp>
+    </p:spTree>
+    <p:extLst>
+      <p:ext uri="{BB962C8B-B14F-4D97-AF65-F5344CB8AC3E}">
+        <p14:creationId xmlns:p14="http://schemas.microsoft.com/office/powerpoint/2010/main" val="135550305"/>
+      </p:ext>
+    </p:extLst>
+  </p:cSld>
+  <p:clrMapOvr>
+    <a:masterClrMapping/>
+  </p:clrMapOvr>
+</p:sld>
+</file>
+
+<file path=ppt/slides/slide4.xml><?xml version="1.0" encoding="utf-8"?>
+<p:sld xmlns:a="http://schemas.openxmlformats.org/drawingml/2006/main" xmlns:r="http://schemas.openxmlformats.org/officeDocument/2006/relationships" xmlns:p="http://schemas.openxmlformats.org/presentationml/2006/main">
+  <p:cSld>
+    <p:spTree>
+      <p:nvGrpSpPr>
+        <p:cNvPr id="1" name=""/>
+        <p:cNvGrpSpPr/>
+        <p:nvPr/>
+      </p:nvGrpSpPr>
+      <p:grpSpPr>
+        <a:xfrm>
+          <a:off x="0" y="0"/>
+          <a:ext cx="0" cy="0"/>
+          <a:chOff x="0" y="0"/>
+          <a:chExt cx="0" cy="0"/>
+        </a:xfrm>
+      </p:grpSpPr>
+      <p:sp>
+        <p:nvSpPr>
+          <p:cNvPr id="2" name="Title 1">
+            <a:extLst>
+              <a:ext uri="{FF2B5EF4-FFF2-40B4-BE49-F238E27FC236}">
                 <a16:creationId xmlns:a16="http://schemas.microsoft.com/office/drawing/2014/main" id="{36F7AE93-29CE-D13E-A578-5525698238D6}"/>
               </a:ext>
             </a:extLst>
@@ -3673,7 +3854,7 @@
 </p:sld>
 </file>
 
-<file path=ppt/slides/slide4.xml><?xml version="1.0" encoding="utf-8"?>
+<file path=ppt/slides/slide5.xml><?xml version="1.0" encoding="utf-8"?>
 <p:sld xmlns:a="http://schemas.openxmlformats.org/drawingml/2006/main" xmlns:r="http://schemas.openxmlformats.org/officeDocument/2006/relationships" xmlns:p="http://schemas.openxmlformats.org/presentationml/2006/main">
   <p:cSld>
     <p:spTree>
@@ -4022,7 +4203,7 @@
 </p:sld>
 </file>
 
-<file path=ppt/slides/slide5.xml><?xml version="1.0" encoding="utf-8"?>
+<file path=ppt/slides/slide6.xml><?xml version="1.0" encoding="utf-8"?>
 <p:sld xmlns:a="http://schemas.openxmlformats.org/drawingml/2006/main" xmlns:r="http://schemas.openxmlformats.org/officeDocument/2006/relationships" xmlns:p="http://schemas.openxmlformats.org/presentationml/2006/main">
   <p:cSld>
     <p:bg>
@@ -4463,7 +4644,7 @@
 </p:sld>
 </file>
 
-<file path=ppt/slides/slide6.xml><?xml version="1.0" encoding="utf-8"?>
+<file path=ppt/slides/slide7.xml><?xml version="1.0" encoding="utf-8"?>
 <p:sld xmlns:a="http://schemas.openxmlformats.org/drawingml/2006/main" xmlns:r="http://schemas.openxmlformats.org/officeDocument/2006/relationships" xmlns:p="http://schemas.openxmlformats.org/presentationml/2006/main">
   <p:cSld>
     <p:spTree>
@@ -4808,7 +4989,7 @@
 </p:sld>
 </file>
 
-<file path=ppt/slides/slide7.xml><?xml version="1.0" encoding="utf-8"?>
+<file path=ppt/slides/slide8.xml><?xml version="1.0" encoding="utf-8"?>
 <p:sld xmlns:a="http://schemas.openxmlformats.org/drawingml/2006/main" xmlns:r="http://schemas.openxmlformats.org/officeDocument/2006/relationships" xmlns:p="http://schemas.openxmlformats.org/presentationml/2006/main">
   <p:cSld>
     <p:spTree>
@@ -6364,7 +6545,7 @@
 </p:sld>
 </file>
 
-<file path=ppt/slides/slide8.xml><?xml version="1.0" encoding="utf-8"?>
+<file path=ppt/slides/slide9.xml><?xml version="1.0" encoding="utf-8"?>
 <p:sld xmlns:a="http://schemas.openxmlformats.org/drawingml/2006/main" xmlns:r="http://schemas.openxmlformats.org/officeDocument/2006/relationships" xmlns:p="http://schemas.openxmlformats.org/presentationml/2006/main">
   <p:cSld>
     <p:spTree>

--- a/data/last presentation.pptx
+++ b/data/last presentation.pptx
@@ -3627,8 +3627,19 @@
                 <a:latin typeface="Times New Roman" panose="02020603050405020304" pitchFamily="18" charset="0"/>
                 <a:cs typeface="Times New Roman" panose="02020603050405020304" pitchFamily="18" charset="0"/>
               </a:rPr>
-              <a:t>Packages Used</a:t>
-            </a:r>
+              <a:t>Packages Used </a:t>
+            </a:r>
+            <a:r>
+              <a:rPr lang="en-US" b="1">
+                <a:latin typeface="Times New Roman" panose="02020603050405020304" pitchFamily="18" charset="0"/>
+                <a:cs typeface="Times New Roman" panose="02020603050405020304" pitchFamily="18" charset="0"/>
+              </a:rPr>
+              <a:t>for plots</a:t>
+            </a:r>
+            <a:endParaRPr lang="en-US" b="1" dirty="0">
+              <a:latin typeface="Times New Roman" panose="02020603050405020304" pitchFamily="18" charset="0"/>
+              <a:cs typeface="Times New Roman" panose="02020603050405020304" pitchFamily="18" charset="0"/>
+            </a:endParaRPr>
           </a:p>
         </p:txBody>
       </p:sp>
@@ -3651,7 +3662,7 @@
         <p:spPr/>
         <p:txBody>
           <a:bodyPr>
-            <a:normAutofit lnSpcReduction="10000"/>
+            <a:normAutofit/>
           </a:bodyPr>
           <a:lstStyle/>
           <a:p>
@@ -3715,38 +3726,7 @@
             </a:r>
           </a:p>
           <a:p>
-            <a:r>
-              <a:rPr lang="en-US" dirty="0"/>
-              <a:t>(</a:t>
-            </a:r>
-            <a:r>
-              <a:rPr lang="en-US" dirty="0" err="1"/>
-              <a:t>gmodels</a:t>
-            </a:r>
-            <a:r>
-              <a:rPr lang="en-US" dirty="0"/>
-              <a:t>)</a:t>
-            </a:r>
-          </a:p>
-          <a:p>
-            <a:r>
-              <a:rPr lang="en-US" dirty="0"/>
-              <a:t>(export)</a:t>
-            </a:r>
-          </a:p>
-          <a:p>
-            <a:r>
-              <a:rPr lang="en-US" dirty="0"/>
-              <a:t>(</a:t>
-            </a:r>
-            <a:r>
-              <a:rPr lang="en-US" dirty="0" err="1"/>
-              <a:t>tidyverse</a:t>
-            </a:r>
-            <a:r>
-              <a:rPr lang="en-US" dirty="0"/>
-              <a:t>)</a:t>
-            </a:r>
+            <a:endParaRPr lang="en-US" dirty="0"/>
           </a:p>
         </p:txBody>
       </p:sp>

--- a/data/last presentation.pptx
+++ b/data/last presentation.pptx
@@ -3706,26 +3706,6 @@
             </a:r>
           </a:p>
           <a:p>
-            <a:r>
-              <a:rPr lang="en-US" dirty="0"/>
-              <a:t>(ggpubr)</a:t>
-            </a:r>
-          </a:p>
-          <a:p>
-            <a:r>
-              <a:rPr lang="en-US" dirty="0"/>
-              <a:t>(</a:t>
-            </a:r>
-            <a:r>
-              <a:rPr lang="en-US" dirty="0" err="1"/>
-              <a:t>ggthemes</a:t>
-            </a:r>
-            <a:r>
-              <a:rPr lang="en-US" dirty="0"/>
-              <a:t>)</a:t>
-            </a:r>
-          </a:p>
-          <a:p>
             <a:endParaRPr lang="en-US" dirty="0"/>
           </a:p>
         </p:txBody>

--- a/data/last presentation.pptx
+++ b/data/last presentation.pptx
@@ -3702,11 +3702,28 @@
             </a:r>
             <a:r>
               <a:rPr lang="en-US" dirty="0"/>
-              <a:t>) </a:t>
-            </a:r>
-          </a:p>
-          <a:p>
-            <a:endParaRPr lang="en-US" dirty="0"/>
+              <a:t>)</a:t>
+            </a:r>
+          </a:p>
+          <a:p>
+            <a:r>
+              <a:rPr lang="en-US" dirty="0"/>
+              <a:t>(Ellipse) </a:t>
+            </a:r>
+          </a:p>
+          <a:p>
+            <a:r>
+              <a:rPr lang="en-US" dirty="0"/>
+              <a:t>(</a:t>
+            </a:r>
+            <a:r>
+              <a:rPr lang="en-US"/>
+              <a:t>ggplot</a:t>
+            </a:r>
+            <a:r>
+              <a:rPr lang="en-US" dirty="0"/>
+              <a:t>)</a:t>
+            </a:r>
           </a:p>
         </p:txBody>
       </p:sp>

--- a/data/last presentation.pptx
+++ b/data/last presentation.pptx
@@ -3662,7 +3662,7 @@
         <p:spPr/>
         <p:txBody>
           <a:bodyPr>
-            <a:normAutofit/>
+            <a:normAutofit lnSpcReduction="10000"/>
           </a:bodyPr>
           <a:lstStyle/>
           <a:p>
@@ -3717,8 +3717,46 @@
               <a:t>(</a:t>
             </a:r>
             <a:r>
+              <a:rPr lang="en-US" dirty="0" err="1"/>
+              <a:t>ggplot</a:t>
+            </a:r>
+            <a:r>
+              <a:rPr lang="en-US" dirty="0"/>
+              <a:t>)</a:t>
+            </a:r>
+          </a:p>
+          <a:p>
+            <a:r>
+              <a:rPr lang="en-US" dirty="0"/>
+              <a:t>(</a:t>
+            </a:r>
+            <a:r>
+              <a:rPr lang="en-US" dirty="0" err="1"/>
+              <a:t>gmodels</a:t>
+            </a:r>
+            <a:r>
+              <a:rPr lang="en-US" dirty="0"/>
+              <a:t>) </a:t>
+            </a:r>
+          </a:p>
+          <a:p>
+            <a:r>
               <a:rPr lang="en-US"/>
-              <a:t>ggplot</a:t>
+              <a:t>(Export</a:t>
+            </a:r>
+            <a:r>
+              <a:rPr lang="en-US" dirty="0"/>
+              <a:t>) </a:t>
+            </a:r>
+          </a:p>
+          <a:p>
+            <a:r>
+              <a:rPr lang="en-US" dirty="0"/>
+              <a:t>(</a:t>
+            </a:r>
+            <a:r>
+              <a:rPr lang="en-US" dirty="0" err="1"/>
+              <a:t>tidyverse</a:t>
             </a:r>
             <a:r>
               <a:rPr lang="en-US" dirty="0"/>

--- a/data/last presentation.pptx
+++ b/data/last presentation.pptx
@@ -267,7 +267,7 @@
           <a:p>
             <a:fld id="{47B5F6B3-A4FF-49A7-A0BA-7D6B26F7859A}" type="datetimeFigureOut">
               <a:rPr lang="en-US" smtClean="0"/>
-              <a:t>12/7/2023</a:t>
+              <a:t>12/8/2023</a:t>
             </a:fld>
             <a:endParaRPr lang="en-US"/>
           </a:p>
@@ -465,7 +465,7 @@
           <a:p>
             <a:fld id="{47B5F6B3-A4FF-49A7-A0BA-7D6B26F7859A}" type="datetimeFigureOut">
               <a:rPr lang="en-US" smtClean="0"/>
-              <a:t>12/7/2023</a:t>
+              <a:t>12/8/2023</a:t>
             </a:fld>
             <a:endParaRPr lang="en-US"/>
           </a:p>
@@ -673,7 +673,7 @@
           <a:p>
             <a:fld id="{47B5F6B3-A4FF-49A7-A0BA-7D6B26F7859A}" type="datetimeFigureOut">
               <a:rPr lang="en-US" smtClean="0"/>
-              <a:t>12/7/2023</a:t>
+              <a:t>12/8/2023</a:t>
             </a:fld>
             <a:endParaRPr lang="en-US"/>
           </a:p>
@@ -871,7 +871,7 @@
           <a:p>
             <a:fld id="{47B5F6B3-A4FF-49A7-A0BA-7D6B26F7859A}" type="datetimeFigureOut">
               <a:rPr lang="en-US" smtClean="0"/>
-              <a:t>12/7/2023</a:t>
+              <a:t>12/8/2023</a:t>
             </a:fld>
             <a:endParaRPr lang="en-US"/>
           </a:p>
@@ -1146,7 +1146,7 @@
           <a:p>
             <a:fld id="{47B5F6B3-A4FF-49A7-A0BA-7D6B26F7859A}" type="datetimeFigureOut">
               <a:rPr lang="en-US" smtClean="0"/>
-              <a:t>12/7/2023</a:t>
+              <a:t>12/8/2023</a:t>
             </a:fld>
             <a:endParaRPr lang="en-US"/>
           </a:p>
@@ -1411,7 +1411,7 @@
           <a:p>
             <a:fld id="{47B5F6B3-A4FF-49A7-A0BA-7D6B26F7859A}" type="datetimeFigureOut">
               <a:rPr lang="en-US" smtClean="0"/>
-              <a:t>12/7/2023</a:t>
+              <a:t>12/8/2023</a:t>
             </a:fld>
             <a:endParaRPr lang="en-US"/>
           </a:p>
@@ -1823,7 +1823,7 @@
           <a:p>
             <a:fld id="{47B5F6B3-A4FF-49A7-A0BA-7D6B26F7859A}" type="datetimeFigureOut">
               <a:rPr lang="en-US" smtClean="0"/>
-              <a:t>12/7/2023</a:t>
+              <a:t>12/8/2023</a:t>
             </a:fld>
             <a:endParaRPr lang="en-US"/>
           </a:p>
@@ -1964,7 +1964,7 @@
           <a:p>
             <a:fld id="{47B5F6B3-A4FF-49A7-A0BA-7D6B26F7859A}" type="datetimeFigureOut">
               <a:rPr lang="en-US" smtClean="0"/>
-              <a:t>12/7/2023</a:t>
+              <a:t>12/8/2023</a:t>
             </a:fld>
             <a:endParaRPr lang="en-US"/>
           </a:p>
@@ -2077,7 +2077,7 @@
           <a:p>
             <a:fld id="{47B5F6B3-A4FF-49A7-A0BA-7D6B26F7859A}" type="datetimeFigureOut">
               <a:rPr lang="en-US" smtClean="0"/>
-              <a:t>12/7/2023</a:t>
+              <a:t>12/8/2023</a:t>
             </a:fld>
             <a:endParaRPr lang="en-US"/>
           </a:p>
@@ -2388,7 +2388,7 @@
           <a:p>
             <a:fld id="{47B5F6B3-A4FF-49A7-A0BA-7D6B26F7859A}" type="datetimeFigureOut">
               <a:rPr lang="en-US" smtClean="0"/>
-              <a:t>12/7/2023</a:t>
+              <a:t>12/8/2023</a:t>
             </a:fld>
             <a:endParaRPr lang="en-US"/>
           </a:p>
@@ -2676,7 +2676,7 @@
           <a:p>
             <a:fld id="{47B5F6B3-A4FF-49A7-A0BA-7D6B26F7859A}" type="datetimeFigureOut">
               <a:rPr lang="en-US" smtClean="0"/>
-              <a:t>12/7/2023</a:t>
+              <a:t>12/8/2023</a:t>
             </a:fld>
             <a:endParaRPr lang="en-US"/>
           </a:p>
@@ -2917,7 +2917,7 @@
           <a:p>
             <a:fld id="{47B5F6B3-A4FF-49A7-A0BA-7D6B26F7859A}" type="datetimeFigureOut">
               <a:rPr lang="en-US" smtClean="0"/>
-              <a:t>12/7/2023</a:t>
+              <a:t>12/8/2023</a:t>
             </a:fld>
             <a:endParaRPr lang="en-US"/>
           </a:p>
@@ -5717,7 +5717,7 @@
         <p:spPr>
           <a:xfrm>
             <a:off x="4017818" y="1066945"/>
-            <a:ext cx="8488218" cy="6540252"/>
+            <a:ext cx="8488218" cy="5755422"/>
           </a:xfrm>
           <a:prstGeom prst="rect">
             <a:avLst/>
@@ -5732,9 +5732,6 @@
           <a:p>
             <a:r>
               <a:rPr lang="en-US" sz="1600" b="1" i="0" u="none" strike="noStrike" dirty="0">
-                <a:solidFill>
-                  <a:srgbClr val="000000"/>
-                </a:solidFill>
                 <a:effectLst/>
                 <a:latin typeface="Times New Roman" panose="02020603050405020304" pitchFamily="18" charset="0"/>
                 <a:cs typeface="Times New Roman" panose="02020603050405020304" pitchFamily="18" charset="0"/>
@@ -5743,22 +5740,16 @@
             </a:r>
             <a:r>
               <a:rPr lang="en-US" sz="1600" b="0" i="0" u="none" strike="noStrike" dirty="0">
-                <a:solidFill>
-                  <a:srgbClr val="000000"/>
-                </a:solidFill>
-                <a:effectLst/>
-                <a:latin typeface="Times New Roman" panose="02020603050405020304" pitchFamily="18" charset="0"/>
-                <a:cs typeface="Times New Roman" panose="02020603050405020304" pitchFamily="18" charset="0"/>
-              </a:rPr>
-              <a:t> Erythrose, 4-phosphate</a:t>
+                <a:effectLst/>
+                <a:latin typeface="Times New Roman" panose="02020603050405020304" pitchFamily="18" charset="0"/>
+                <a:cs typeface="Times New Roman" panose="02020603050405020304" pitchFamily="18" charset="0"/>
+              </a:rPr>
+              <a:t> ETHANOLAMINE</a:t>
             </a:r>
           </a:p>
           <a:p>
             <a:r>
               <a:rPr lang="en-US" sz="1600" b="1" i="0" u="none" strike="noStrike" dirty="0">
-                <a:solidFill>
-                  <a:srgbClr val="000000"/>
-                </a:solidFill>
                 <a:effectLst/>
                 <a:latin typeface="Times New Roman" panose="02020603050405020304" pitchFamily="18" charset="0"/>
                 <a:cs typeface="Times New Roman" panose="02020603050405020304" pitchFamily="18" charset="0"/>
@@ -5767,9 +5758,6 @@
             </a:r>
             <a:r>
               <a:rPr lang="en-US" sz="1600" b="0" i="0" u="none" strike="noStrike" dirty="0">
-                <a:solidFill>
-                  <a:srgbClr val="000000"/>
-                </a:solidFill>
                 <a:effectLst/>
                 <a:latin typeface="Times New Roman" panose="02020603050405020304" pitchFamily="18" charset="0"/>
                 <a:cs typeface="Times New Roman" panose="02020603050405020304" pitchFamily="18" charset="0"/>
@@ -5778,9 +5766,6 @@
             </a:r>
             <a:r>
               <a:rPr lang="en-US" sz="1600" b="0" i="0" u="none" strike="noStrike" dirty="0" err="1">
-                <a:solidFill>
-                  <a:srgbClr val="000000"/>
-                </a:solidFill>
                 <a:effectLst/>
                 <a:latin typeface="Times New Roman" panose="02020603050405020304" pitchFamily="18" charset="0"/>
                 <a:cs typeface="Times New Roman" panose="02020603050405020304" pitchFamily="18" charset="0"/>
@@ -5789,29 +5774,16 @@
             </a:r>
             <a:r>
               <a:rPr lang="en-US" sz="1600" b="0" i="0" u="none" strike="noStrike" dirty="0">
-                <a:solidFill>
-                  <a:srgbClr val="000000"/>
-                </a:solidFill>
-                <a:effectLst/>
-                <a:latin typeface="Times New Roman" panose="02020603050405020304" pitchFamily="18" charset="0"/>
-                <a:cs typeface="Times New Roman" panose="02020603050405020304" pitchFamily="18" charset="0"/>
-              </a:rPr>
-              <a:t>)butanoate_0</a:t>
-            </a:r>
-            <a:r>
-              <a:rPr lang="en-US" sz="1600" dirty="0">
-                <a:latin typeface="Times New Roman" panose="02020603050405020304" pitchFamily="18" charset="0"/>
-                <a:cs typeface="Times New Roman" panose="02020603050405020304" pitchFamily="18" charset="0"/>
-              </a:rPr>
-              <a:t> </a:t>
+                <a:effectLst/>
+                <a:latin typeface="Times New Roman" panose="02020603050405020304" pitchFamily="18" charset="0"/>
+                <a:cs typeface="Times New Roman" panose="02020603050405020304" pitchFamily="18" charset="0"/>
+              </a:rPr>
+              <a:t>)butanoate_1</a:t>
             </a:r>
           </a:p>
           <a:p>
             <a:r>
               <a:rPr lang="en-US" sz="1600" b="1" i="0" u="none" strike="noStrike" dirty="0">
-                <a:solidFill>
-                  <a:srgbClr val="000000"/>
-                </a:solidFill>
                 <a:effectLst/>
                 <a:latin typeface="Times New Roman" panose="02020603050405020304" pitchFamily="18" charset="0"/>
                 <a:cs typeface="Times New Roman" panose="02020603050405020304" pitchFamily="18" charset="0"/>
@@ -5819,27 +5791,14 @@
               <a:t>70-</a:t>
             </a:r>
             <a:r>
-              <a:rPr lang="en-US" sz="1600" b="0" i="0" u="none" strike="noStrike" dirty="0">
-                <a:solidFill>
-                  <a:srgbClr val="000000"/>
-                </a:solidFill>
-                <a:effectLst/>
-                <a:latin typeface="Times New Roman" panose="02020603050405020304" pitchFamily="18" charset="0"/>
-                <a:cs typeface="Times New Roman" panose="02020603050405020304" pitchFamily="18" charset="0"/>
-              </a:rPr>
-              <a:t>3-hydroxydodecanoylcarnitine</a:t>
-            </a:r>
-            <a:r>
-              <a:rPr lang="en-US" sz="1600" dirty="0">
-                <a:latin typeface="Times New Roman" panose="02020603050405020304" pitchFamily="18" charset="0"/>
-                <a:cs typeface="Times New Roman" panose="02020603050405020304" pitchFamily="18" charset="0"/>
-              </a:rPr>
-              <a:t> </a:t>
+              <a:rPr lang="en-US" sz="1600" b="0" i="0" dirty="0">
+                <a:effectLst/>
+                <a:latin typeface="Times New Roman" panose="02020603050405020304" pitchFamily="18" charset="0"/>
+                <a:cs typeface="Times New Roman" panose="02020603050405020304" pitchFamily="18" charset="0"/>
+              </a:rPr>
+              <a:t>3-Hydroxyhexadecadienoylcarnitine</a:t>
             </a:r>
             <a:endParaRPr lang="en-US" sz="1600" b="0" i="0" u="none" strike="noStrike" dirty="0">
-              <a:solidFill>
-                <a:srgbClr val="000000"/>
-              </a:solidFill>
               <a:effectLst/>
               <a:latin typeface="Times New Roman" panose="02020603050405020304" pitchFamily="18" charset="0"/>
               <a:cs typeface="Times New Roman" panose="02020603050405020304" pitchFamily="18" charset="0"/>
@@ -5848,9 +5807,6 @@
           <a:p>
             <a:r>
               <a:rPr lang="en-US" sz="1600" b="1" dirty="0">
-                <a:solidFill>
-                  <a:srgbClr val="000000"/>
-                </a:solidFill>
                 <a:latin typeface="Times New Roman" panose="02020603050405020304" pitchFamily="18" charset="0"/>
                 <a:cs typeface="Times New Roman" panose="02020603050405020304" pitchFamily="18" charset="0"/>
               </a:rPr>
@@ -5858,254 +5814,191 @@
             </a:r>
             <a:r>
               <a:rPr lang="en-US" sz="1600" dirty="0">
-                <a:solidFill>
-                  <a:srgbClr val="000000"/>
-                </a:solidFill>
+                <a:latin typeface="Times New Roman" panose="02020603050405020304" pitchFamily="18" charset="0"/>
+                <a:cs typeface="Times New Roman" panose="02020603050405020304" pitchFamily="18" charset="0"/>
+              </a:rPr>
+              <a:t> Linamarin</a:t>
+            </a:r>
+          </a:p>
+          <a:p>
+            <a:r>
+              <a:rPr lang="en-US" sz="1600" b="1" i="0" u="none" strike="noStrike" dirty="0">
+                <a:effectLst/>
+                <a:latin typeface="Times New Roman" panose="02020603050405020304" pitchFamily="18" charset="0"/>
+                <a:cs typeface="Times New Roman" panose="02020603050405020304" pitchFamily="18" charset="0"/>
+              </a:rPr>
+              <a:t>39-</a:t>
+            </a:r>
+            <a:r>
+              <a:rPr lang="en-US" sz="1600" b="0" i="0" u="none" strike="noStrike" dirty="0">
+                <a:effectLst/>
+                <a:latin typeface="Times New Roman" panose="02020603050405020304" pitchFamily="18" charset="0"/>
+                <a:cs typeface="Times New Roman" panose="02020603050405020304" pitchFamily="18" charset="0"/>
+              </a:rPr>
+              <a:t> 2,3-Bis(</a:t>
+            </a:r>
+            <a:r>
+              <a:rPr lang="en-US" sz="1600" b="0" i="0" u="none" strike="noStrike" dirty="0" err="1">
+                <a:effectLst/>
+                <a:latin typeface="Times New Roman" panose="02020603050405020304" pitchFamily="18" charset="0"/>
+                <a:cs typeface="Times New Roman" panose="02020603050405020304" pitchFamily="18" charset="0"/>
+              </a:rPr>
+              <a:t>octanoyloxy</a:t>
+            </a:r>
+            <a:r>
+              <a:rPr lang="en-US" sz="1600" b="0" i="0" u="none" strike="noStrike" dirty="0">
+                <a:effectLst/>
+                <a:latin typeface="Times New Roman" panose="02020603050405020304" pitchFamily="18" charset="0"/>
+                <a:cs typeface="Times New Roman" panose="02020603050405020304" pitchFamily="18" charset="0"/>
+              </a:rPr>
+              <a:t>)</a:t>
+            </a:r>
+            <a:r>
+              <a:rPr lang="en-US" sz="1600" b="0" i="0" u="none" strike="noStrike" dirty="0" err="1">
+                <a:effectLst/>
+                <a:latin typeface="Times New Roman" panose="02020603050405020304" pitchFamily="18" charset="0"/>
+                <a:cs typeface="Times New Roman" panose="02020603050405020304" pitchFamily="18" charset="0"/>
+              </a:rPr>
+              <a:t>propanimidic</a:t>
+            </a:r>
+            <a:r>
+              <a:rPr lang="en-US" sz="1600" b="0" i="0" u="none" strike="noStrike" dirty="0">
+                <a:effectLst/>
+                <a:latin typeface="Times New Roman" panose="02020603050405020304" pitchFamily="18" charset="0"/>
+                <a:cs typeface="Times New Roman" panose="02020603050405020304" pitchFamily="18" charset="0"/>
+              </a:rPr>
+              <a:t> acid</a:t>
+            </a:r>
+          </a:p>
+          <a:p>
+            <a:r>
+              <a:rPr lang="en-US" sz="1600" dirty="0">
                 <a:latin typeface="Times New Roman" panose="02020603050405020304" pitchFamily="18" charset="0"/>
                 <a:cs typeface="Times New Roman" panose="02020603050405020304" pitchFamily="18" charset="0"/>
               </a:rPr>
               <a:t> </a:t>
             </a:r>
             <a:r>
-              <a:rPr lang="en-US" sz="1600" b="0" i="0" u="none" strike="noStrike" dirty="0">
-                <a:solidFill>
-                  <a:srgbClr val="000000"/>
-                </a:solidFill>
-                <a:effectLst/>
-                <a:latin typeface="Times New Roman" panose="02020603050405020304" pitchFamily="18" charset="0"/>
-                <a:cs typeface="Times New Roman" panose="02020603050405020304" pitchFamily="18" charset="0"/>
-              </a:rPr>
-              <a:t>L-Histidine</a:t>
-            </a:r>
-            <a:r>
-              <a:rPr lang="en-US" sz="1600" dirty="0">
-                <a:latin typeface="Times New Roman" panose="02020603050405020304" pitchFamily="18" charset="0"/>
-                <a:cs typeface="Times New Roman" panose="02020603050405020304" pitchFamily="18" charset="0"/>
-              </a:rPr>
-              <a:t> </a:t>
-            </a:r>
-            <a:endParaRPr lang="en-US" sz="1600" dirty="0">
-              <a:solidFill>
-                <a:srgbClr val="000000"/>
-              </a:solidFill>
+              <a:rPr lang="en-US" sz="1600" b="1" kern="0" dirty="0">
+                <a:effectLst/>
+                <a:latin typeface="Times New Roman" panose="02020603050405020304" pitchFamily="18" charset="0"/>
+                <a:ea typeface="Times New Roman" panose="02020603050405020304" pitchFamily="18" charset="0"/>
+                <a:cs typeface="Times New Roman" panose="02020603050405020304" pitchFamily="18" charset="0"/>
+              </a:rPr>
+              <a:t>(</a:t>
+            </a:r>
+            <a:r>
+              <a:rPr lang="en-US" sz="1600" b="1" kern="0" dirty="0" err="1">
+                <a:effectLst/>
+                <a:latin typeface="Times New Roman" panose="02020603050405020304" pitchFamily="18" charset="0"/>
+                <a:ea typeface="Times New Roman" panose="02020603050405020304" pitchFamily="18" charset="0"/>
+                <a:cs typeface="Times New Roman" panose="02020603050405020304" pitchFamily="18" charset="0"/>
+              </a:rPr>
+              <a:t>top_metabolites_IBA</a:t>
+            </a:r>
+            <a:r>
+              <a:rPr lang="en-US" sz="1600" b="1" kern="0" dirty="0">
+                <a:effectLst/>
+                <a:latin typeface="Times New Roman" panose="02020603050405020304" pitchFamily="18" charset="0"/>
+                <a:ea typeface="Times New Roman" panose="02020603050405020304" pitchFamily="18" charset="0"/>
+                <a:cs typeface="Times New Roman" panose="02020603050405020304" pitchFamily="18" charset="0"/>
+              </a:rPr>
+              <a:t>)</a:t>
+            </a:r>
+          </a:p>
+          <a:p>
+            <a:r>
+              <a:rPr lang="en-US" sz="1600" b="1" kern="0" dirty="0">
+                <a:effectLst/>
+                <a:latin typeface="Times New Roman" panose="02020603050405020304" pitchFamily="18" charset="0"/>
+                <a:ea typeface="Times New Roman" panose="02020603050405020304" pitchFamily="18" charset="0"/>
+                <a:cs typeface="Times New Roman" panose="02020603050405020304" pitchFamily="18" charset="0"/>
+              </a:rPr>
+              <a:t>328-</a:t>
+            </a:r>
+            <a:r>
+              <a:rPr lang="en-US" sz="1600" b="0" i="0" dirty="0">
+                <a:effectLst/>
+                <a:latin typeface="Times New Roman" panose="02020603050405020304" pitchFamily="18" charset="0"/>
+                <a:cs typeface="Times New Roman" panose="02020603050405020304" pitchFamily="18" charset="0"/>
+              </a:rPr>
+              <a:t>Ritalinic acid</a:t>
+            </a:r>
+          </a:p>
+          <a:p>
+            <a:r>
+              <a:rPr lang="en-US" sz="1600" b="1" i="0" u="none" strike="noStrike" dirty="0">
+                <a:effectLst/>
+                <a:latin typeface="Times New Roman" panose="02020603050405020304" pitchFamily="18" charset="0"/>
+                <a:cs typeface="Times New Roman" panose="02020603050405020304" pitchFamily="18" charset="0"/>
+              </a:rPr>
+              <a:t>11-(4S)-4-{[(9Z)-3-Hydroxy-9-hexadecenoyl]oxy}-4-(</a:t>
+            </a:r>
+            <a:r>
+              <a:rPr lang="en-US" sz="1600" b="1" i="0" u="none" strike="noStrike" dirty="0" err="1">
+                <a:effectLst/>
+                <a:latin typeface="Times New Roman" panose="02020603050405020304" pitchFamily="18" charset="0"/>
+                <a:cs typeface="Times New Roman" panose="02020603050405020304" pitchFamily="18" charset="0"/>
+              </a:rPr>
+              <a:t>trimethylammonio</a:t>
+            </a:r>
+            <a:r>
+              <a:rPr lang="en-US" sz="1600" b="1" i="0" u="none" strike="noStrike" dirty="0">
+                <a:effectLst/>
+                <a:latin typeface="Times New Roman" panose="02020603050405020304" pitchFamily="18" charset="0"/>
+                <a:cs typeface="Times New Roman" panose="02020603050405020304" pitchFamily="18" charset="0"/>
+              </a:rPr>
+              <a:t>)butanoate_1</a:t>
+            </a:r>
+          </a:p>
+          <a:p>
+            <a:r>
+              <a:rPr lang="en-US" sz="1600" b="1" kern="0" dirty="0">
+                <a:latin typeface="Times New Roman" panose="02020603050405020304" pitchFamily="18" charset="0"/>
+                <a:ea typeface="Times New Roman" panose="02020603050405020304" pitchFamily="18" charset="0"/>
+                <a:cs typeface="Times New Roman" panose="02020603050405020304" pitchFamily="18" charset="0"/>
+              </a:rPr>
+              <a:t>12-(4S)-4-{[(9Z)-3-Hydroxy-9-octadecenoyl]oxy}-4-(</a:t>
+            </a:r>
+            <a:r>
+              <a:rPr lang="en-US" sz="1600" b="1" kern="0" dirty="0" err="1">
+                <a:latin typeface="Times New Roman" panose="02020603050405020304" pitchFamily="18" charset="0"/>
+                <a:ea typeface="Times New Roman" panose="02020603050405020304" pitchFamily="18" charset="0"/>
+                <a:cs typeface="Times New Roman" panose="02020603050405020304" pitchFamily="18" charset="0"/>
+              </a:rPr>
+              <a:t>trimethylammonio</a:t>
+            </a:r>
+            <a:r>
+              <a:rPr lang="en-US" sz="1600" b="1" kern="0" dirty="0">
+                <a:latin typeface="Times New Roman" panose="02020603050405020304" pitchFamily="18" charset="0"/>
+                <a:ea typeface="Times New Roman" panose="02020603050405020304" pitchFamily="18" charset="0"/>
+                <a:cs typeface="Times New Roman" panose="02020603050405020304" pitchFamily="18" charset="0"/>
+              </a:rPr>
+              <a:t>)butanoate</a:t>
+            </a:r>
+            <a:endParaRPr lang="en-US" sz="1600" kern="0" dirty="0">
               <a:latin typeface="Times New Roman" panose="02020603050405020304" pitchFamily="18" charset="0"/>
+              <a:ea typeface="Times New Roman" panose="02020603050405020304" pitchFamily="18" charset="0"/>
               <a:cs typeface="Times New Roman" panose="02020603050405020304" pitchFamily="18" charset="0"/>
             </a:endParaRPr>
           </a:p>
           <a:p>
             <a:r>
-              <a:rPr lang="en-US" sz="1600" b="1" i="0" u="none" strike="noStrike" dirty="0">
-                <a:solidFill>
-                  <a:srgbClr val="000000"/>
-                </a:solidFill>
-                <a:effectLst/>
-                <a:latin typeface="Times New Roman" panose="02020603050405020304" pitchFamily="18" charset="0"/>
-                <a:cs typeface="Times New Roman" panose="02020603050405020304" pitchFamily="18" charset="0"/>
-              </a:rPr>
-              <a:t>39-</a:t>
-            </a:r>
-            <a:r>
-              <a:rPr lang="en-US" sz="1600" b="0" i="0" u="none" strike="noStrike" dirty="0">
-                <a:solidFill>
-                  <a:srgbClr val="000000"/>
-                </a:solidFill>
-                <a:effectLst/>
-                <a:latin typeface="Times New Roman" panose="02020603050405020304" pitchFamily="18" charset="0"/>
-                <a:cs typeface="Times New Roman" panose="02020603050405020304" pitchFamily="18" charset="0"/>
-              </a:rPr>
-              <a:t> 2,2'-[1,2-Propanediylbis(oxy)]</a:t>
-            </a:r>
-            <a:r>
-              <a:rPr lang="en-US" sz="1600" b="0" i="0" u="none" strike="noStrike" dirty="0" err="1">
-                <a:solidFill>
-                  <a:srgbClr val="000000"/>
-                </a:solidFill>
-                <a:effectLst/>
-                <a:latin typeface="Times New Roman" panose="02020603050405020304" pitchFamily="18" charset="0"/>
-                <a:cs typeface="Times New Roman" panose="02020603050405020304" pitchFamily="18" charset="0"/>
-              </a:rPr>
-              <a:t>diethanol</a:t>
-            </a:r>
-            <a:r>
-              <a:rPr lang="en-US" sz="1600" dirty="0">
-                <a:latin typeface="Times New Roman" panose="02020603050405020304" pitchFamily="18" charset="0"/>
-                <a:cs typeface="Times New Roman" panose="02020603050405020304" pitchFamily="18" charset="0"/>
-              </a:rPr>
-              <a:t> </a:t>
-            </a:r>
-            <a:endParaRPr lang="en-US" sz="1600" b="0" i="0" u="none" strike="noStrike" dirty="0">
-              <a:solidFill>
-                <a:srgbClr val="000000"/>
-              </a:solidFill>
-              <a:effectLst/>
-              <a:latin typeface="Times New Roman" panose="02020603050405020304" pitchFamily="18" charset="0"/>
-              <a:cs typeface="Times New Roman" panose="02020603050405020304" pitchFamily="18" charset="0"/>
-            </a:endParaRPr>
-          </a:p>
-          <a:p>
-            <a:r>
-              <a:rPr lang="en-US" sz="1600" dirty="0">
-                <a:latin typeface="Times New Roman" panose="02020603050405020304" pitchFamily="18" charset="0"/>
-                <a:cs typeface="Times New Roman" panose="02020603050405020304" pitchFamily="18" charset="0"/>
-              </a:rPr>
-              <a:t> </a:t>
-            </a:r>
-            <a:r>
               <a:rPr lang="en-US" sz="1600" b="1" kern="0" dirty="0">
-                <a:solidFill>
-                  <a:srgbClr val="00B0F0"/>
-                </a:solidFill>
                 <a:effectLst/>
                 <a:latin typeface="Times New Roman" panose="02020603050405020304" pitchFamily="18" charset="0"/>
                 <a:ea typeface="Times New Roman" panose="02020603050405020304" pitchFamily="18" charset="0"/>
                 <a:cs typeface="Times New Roman" panose="02020603050405020304" pitchFamily="18" charset="0"/>
               </a:rPr>
-              <a:t>(</a:t>
-            </a:r>
-            <a:r>
-              <a:rPr lang="en-US" sz="1600" b="1" kern="0" dirty="0" err="1">
-                <a:solidFill>
-                  <a:srgbClr val="00B0F0"/>
-                </a:solidFill>
-                <a:effectLst/>
-                <a:latin typeface="Times New Roman" panose="02020603050405020304" pitchFamily="18" charset="0"/>
-                <a:ea typeface="Times New Roman" panose="02020603050405020304" pitchFamily="18" charset="0"/>
-                <a:cs typeface="Times New Roman" panose="02020603050405020304" pitchFamily="18" charset="0"/>
-              </a:rPr>
-              <a:t>top_metabolites_IBA</a:t>
-            </a:r>
-            <a:r>
-              <a:rPr lang="en-US" sz="1600" b="1" kern="0" dirty="0">
-                <a:solidFill>
-                  <a:srgbClr val="00B0F0"/>
-                </a:solidFill>
-                <a:effectLst/>
-                <a:latin typeface="Times New Roman" panose="02020603050405020304" pitchFamily="18" charset="0"/>
-                <a:ea typeface="Times New Roman" panose="02020603050405020304" pitchFamily="18" charset="0"/>
-                <a:cs typeface="Times New Roman" panose="02020603050405020304" pitchFamily="18" charset="0"/>
-              </a:rPr>
-              <a:t>)</a:t>
-            </a:r>
-          </a:p>
-          <a:p>
-            <a:r>
-              <a:rPr lang="en-US" sz="1600" b="1" kern="0" dirty="0">
-                <a:effectLst/>
-                <a:latin typeface="Times New Roman" panose="02020603050405020304" pitchFamily="18" charset="0"/>
-                <a:ea typeface="Times New Roman" panose="02020603050405020304" pitchFamily="18" charset="0"/>
-                <a:cs typeface="Times New Roman" panose="02020603050405020304" pitchFamily="18" charset="0"/>
-              </a:rPr>
-              <a:t>328-</a:t>
-            </a:r>
-            <a:r>
-              <a:rPr lang="en-US" sz="1600" kern="0" dirty="0">
-                <a:effectLst/>
-                <a:latin typeface="Times New Roman" panose="02020603050405020304" pitchFamily="18" charset="0"/>
-                <a:ea typeface="Times New Roman" panose="02020603050405020304" pitchFamily="18" charset="0"/>
-                <a:cs typeface="Times New Roman" panose="02020603050405020304" pitchFamily="18" charset="0"/>
-              </a:rPr>
-              <a:t>Ricinine</a:t>
-            </a:r>
-          </a:p>
-          <a:p>
-            <a:r>
-              <a:rPr lang="en-US" sz="1600" b="1" i="0" u="none" strike="noStrike" dirty="0">
-                <a:effectLst/>
-                <a:latin typeface="Times New Roman" panose="02020603050405020304" pitchFamily="18" charset="0"/>
-                <a:cs typeface="Times New Roman" panose="02020603050405020304" pitchFamily="18" charset="0"/>
-              </a:rPr>
-              <a:t>11-</a:t>
-            </a:r>
-            <a:r>
-              <a:rPr lang="en-US" sz="1600" b="0" i="0" u="none" strike="noStrike" dirty="0">
-                <a:effectLst/>
-                <a:latin typeface="Times New Roman" panose="02020603050405020304" pitchFamily="18" charset="0"/>
-                <a:cs typeface="Times New Roman" panose="02020603050405020304" pitchFamily="18" charset="0"/>
-              </a:rPr>
-              <a:t> (4S)-4-{[(9Z)-3-Hydroxy-9-hexadecenoyl]oxy}-4-(</a:t>
-            </a:r>
-            <a:r>
-              <a:rPr lang="en-US" sz="1600" b="0" i="0" u="none" strike="noStrike" dirty="0" err="1">
-                <a:effectLst/>
-                <a:latin typeface="Times New Roman" panose="02020603050405020304" pitchFamily="18" charset="0"/>
-                <a:cs typeface="Times New Roman" panose="02020603050405020304" pitchFamily="18" charset="0"/>
-              </a:rPr>
-              <a:t>trimethylammonio</a:t>
-            </a:r>
-            <a:r>
-              <a:rPr lang="en-US" sz="1600" b="0" i="0" u="none" strike="noStrike" dirty="0">
-                <a:effectLst/>
-                <a:latin typeface="Times New Roman" panose="02020603050405020304" pitchFamily="18" charset="0"/>
-                <a:cs typeface="Times New Roman" panose="02020603050405020304" pitchFamily="18" charset="0"/>
-              </a:rPr>
-              <a:t>)butanoate_0</a:t>
-            </a:r>
-            <a:r>
-              <a:rPr lang="en-US" sz="1600" dirty="0">
-                <a:latin typeface="Times New Roman" panose="02020603050405020304" pitchFamily="18" charset="0"/>
-                <a:cs typeface="Times New Roman" panose="02020603050405020304" pitchFamily="18" charset="0"/>
-              </a:rPr>
-              <a:t> </a:t>
-            </a:r>
-          </a:p>
-          <a:p>
-            <a:r>
-              <a:rPr lang="en-US" sz="1600" b="1" kern="0" dirty="0">
-                <a:latin typeface="Times New Roman" panose="02020603050405020304" pitchFamily="18" charset="0"/>
-                <a:ea typeface="Times New Roman" panose="02020603050405020304" pitchFamily="18" charset="0"/>
-                <a:cs typeface="Times New Roman" panose="02020603050405020304" pitchFamily="18" charset="0"/>
-              </a:rPr>
-              <a:t>12-</a:t>
-            </a:r>
-            <a:r>
-              <a:rPr lang="en-US" sz="1600" kern="0" dirty="0">
-                <a:latin typeface="Times New Roman" panose="02020603050405020304" pitchFamily="18" charset="0"/>
-                <a:ea typeface="Times New Roman" panose="02020603050405020304" pitchFamily="18" charset="0"/>
-                <a:cs typeface="Times New Roman" panose="02020603050405020304" pitchFamily="18" charset="0"/>
-              </a:rPr>
-              <a:t>(4S)-4-{[(9Z)-3-Hydroxy-9-hexadecenoyl]oxy}-4-(</a:t>
-            </a:r>
-            <a:r>
-              <a:rPr lang="en-US" sz="1600" kern="0" dirty="0" err="1">
-                <a:latin typeface="Times New Roman" panose="02020603050405020304" pitchFamily="18" charset="0"/>
-                <a:ea typeface="Times New Roman" panose="02020603050405020304" pitchFamily="18" charset="0"/>
-                <a:cs typeface="Times New Roman" panose="02020603050405020304" pitchFamily="18" charset="0"/>
-              </a:rPr>
-              <a:t>trimethylammonio</a:t>
-            </a:r>
-            <a:r>
-              <a:rPr lang="en-US" sz="1600" kern="0" dirty="0">
-                <a:latin typeface="Times New Roman" panose="02020603050405020304" pitchFamily="18" charset="0"/>
-                <a:ea typeface="Times New Roman" panose="02020603050405020304" pitchFamily="18" charset="0"/>
-                <a:cs typeface="Times New Roman" panose="02020603050405020304" pitchFamily="18" charset="0"/>
-              </a:rPr>
-              <a:t>)butanoate_1</a:t>
-            </a:r>
-          </a:p>
-          <a:p>
-            <a:r>
-              <a:rPr lang="en-US" sz="1600" b="1" kern="0" dirty="0">
-                <a:effectLst/>
-                <a:latin typeface="Times New Roman" panose="02020603050405020304" pitchFamily="18" charset="0"/>
-                <a:ea typeface="Times New Roman" panose="02020603050405020304" pitchFamily="18" charset="0"/>
-                <a:cs typeface="Times New Roman" panose="02020603050405020304" pitchFamily="18" charset="0"/>
-              </a:rPr>
               <a:t>70-</a:t>
             </a:r>
             <a:r>
-              <a:rPr lang="en-US" sz="1600" b="0" i="0" u="none" strike="noStrike" dirty="0">
-                <a:effectLst/>
-                <a:latin typeface="Times New Roman" panose="02020603050405020304" pitchFamily="18" charset="0"/>
-                <a:cs typeface="Times New Roman" panose="02020603050405020304" pitchFamily="18" charset="0"/>
-              </a:rPr>
-              <a:t>3-hydroxydodecanoylcarnitine</a:t>
-            </a:r>
-            <a:r>
-              <a:rPr lang="en-US" sz="1600" dirty="0">
-                <a:latin typeface="Times New Roman" panose="02020603050405020304" pitchFamily="18" charset="0"/>
-                <a:cs typeface="Times New Roman" panose="02020603050405020304" pitchFamily="18" charset="0"/>
-              </a:rPr>
-              <a:t> </a:t>
+              <a:rPr lang="en-US" sz="1600" b="0" i="0" dirty="0">
+                <a:effectLst/>
+                <a:latin typeface="Times New Roman" panose="02020603050405020304" pitchFamily="18" charset="0"/>
+                <a:cs typeface="Times New Roman" panose="02020603050405020304" pitchFamily="18" charset="0"/>
+              </a:rPr>
+              <a:t>3-Hydroxyhexadecadienoylcarnitine</a:t>
             </a:r>
             <a:endParaRPr lang="en-US" sz="1600" b="1" kern="0" dirty="0">
               <a:effectLst/>
@@ -6129,7 +6022,7 @@
                 <a:ea typeface="Times New Roman" panose="02020603050405020304" pitchFamily="18" charset="0"/>
                 <a:cs typeface="Times New Roman" panose="02020603050405020304" pitchFamily="18" charset="0"/>
               </a:rPr>
-              <a:t>(4S)-4-[(2E,4Z)-2,4-Decadienoyloxy]-4-(</a:t>
+              <a:t> (4S)-4-{[(9Z)-3-Hydroxy-9-hexadecenoyl]oxy}-4-(</a:t>
             </a:r>
             <a:r>
               <a:rPr lang="en-US" sz="1600" kern="0" dirty="0" err="1">
@@ -6145,7 +6038,78 @@
                 <a:ea typeface="Times New Roman" panose="02020603050405020304" pitchFamily="18" charset="0"/>
                 <a:cs typeface="Times New Roman" panose="02020603050405020304" pitchFamily="18" charset="0"/>
               </a:rPr>
-              <a:t>)butanoate_1</a:t>
+              <a:t>)butanoate_0</a:t>
+            </a:r>
+          </a:p>
+          <a:p>
+            <a:r>
+              <a:rPr lang="en-US" sz="1600" b="1" kern="0" dirty="0">
+                <a:effectLst/>
+                <a:latin typeface="Times New Roman" panose="02020603050405020304" pitchFamily="18" charset="0"/>
+                <a:ea typeface="Times New Roman" panose="02020603050405020304" pitchFamily="18" charset="0"/>
+                <a:cs typeface="Times New Roman" panose="02020603050405020304" pitchFamily="18" charset="0"/>
+              </a:rPr>
+              <a:t>(</a:t>
+            </a:r>
+            <a:r>
+              <a:rPr lang="en-US" sz="1600" b="1" kern="0" dirty="0" err="1">
+                <a:effectLst/>
+                <a:latin typeface="Times New Roman" panose="02020603050405020304" pitchFamily="18" charset="0"/>
+                <a:ea typeface="Times New Roman" panose="02020603050405020304" pitchFamily="18" charset="0"/>
+                <a:cs typeface="Times New Roman" panose="02020603050405020304" pitchFamily="18" charset="0"/>
+              </a:rPr>
+              <a:t>top_metabolites_MAR</a:t>
+            </a:r>
+            <a:r>
+              <a:rPr lang="en-US" sz="1600" b="1" kern="0" dirty="0">
+                <a:effectLst/>
+                <a:latin typeface="Times New Roman" panose="02020603050405020304" pitchFamily="18" charset="0"/>
+                <a:ea typeface="Times New Roman" panose="02020603050405020304" pitchFamily="18" charset="0"/>
+                <a:cs typeface="Times New Roman" panose="02020603050405020304" pitchFamily="18" charset="0"/>
+              </a:rPr>
+              <a:t>)</a:t>
+            </a:r>
+          </a:p>
+          <a:p>
+            <a:r>
+              <a:rPr lang="en-US" sz="1600" b="1" kern="0" dirty="0">
+                <a:latin typeface="Times New Roman" panose="02020603050405020304" pitchFamily="18" charset="0"/>
+                <a:ea typeface="Times New Roman" panose="02020603050405020304" pitchFamily="18" charset="0"/>
+                <a:cs typeface="Times New Roman" panose="02020603050405020304" pitchFamily="18" charset="0"/>
+              </a:rPr>
+              <a:t>340-</a:t>
+            </a:r>
+            <a:r>
+              <a:rPr lang="en-US" sz="1600" b="0" i="0" dirty="0">
+                <a:effectLst/>
+                <a:latin typeface="Times New Roman" panose="02020603050405020304" pitchFamily="18" charset="0"/>
+                <a:cs typeface="Times New Roman" panose="02020603050405020304" pitchFamily="18" charset="0"/>
+              </a:rPr>
+              <a:t>Threonylleucine</a:t>
+            </a:r>
+            <a:endParaRPr lang="en-US" sz="1600" kern="0" dirty="0">
+              <a:latin typeface="Times New Roman" panose="02020603050405020304" pitchFamily="18" charset="0"/>
+              <a:ea typeface="Times New Roman" panose="02020603050405020304" pitchFamily="18" charset="0"/>
+              <a:cs typeface="Times New Roman" panose="02020603050405020304" pitchFamily="18" charset="0"/>
+            </a:endParaRPr>
+          </a:p>
+          <a:p>
+            <a:r>
+              <a:rPr lang="en-US" sz="1600" b="1" kern="0" dirty="0">
+                <a:effectLst/>
+                <a:latin typeface="Times New Roman" panose="02020603050405020304" pitchFamily="18" charset="0"/>
+                <a:ea typeface="Times New Roman" panose="02020603050405020304" pitchFamily="18" charset="0"/>
+                <a:cs typeface="Times New Roman" panose="02020603050405020304" pitchFamily="18" charset="0"/>
+              </a:rPr>
+              <a:t>332-</a:t>
+            </a:r>
+            <a:r>
+              <a:rPr lang="en-US" sz="1600" b="0" i="0" dirty="0">
+                <a:effectLst/>
+                <a:latin typeface="Times New Roman" panose="02020603050405020304" pitchFamily="18" charset="0"/>
+                <a:cs typeface="Times New Roman" panose="02020603050405020304" pitchFamily="18" charset="0"/>
+              </a:rPr>
+              <a:t>ser-asn</a:t>
             </a:r>
             <a:endParaRPr lang="en-US" sz="1600" kern="0" dirty="0">
               <a:effectLst/>
@@ -6157,102 +6121,19 @@
           <a:p>
             <a:r>
               <a:rPr lang="en-US" sz="1600" b="1" kern="0" dirty="0">
-                <a:solidFill>
-                  <a:srgbClr val="00B0F0"/>
-                </a:solidFill>
-                <a:effectLst/>
                 <a:latin typeface="Times New Roman" panose="02020603050405020304" pitchFamily="18" charset="0"/>
                 <a:ea typeface="Times New Roman" panose="02020603050405020304" pitchFamily="18" charset="0"/>
                 <a:cs typeface="Times New Roman" panose="02020603050405020304" pitchFamily="18" charset="0"/>
               </a:rPr>
-              <a:t>(</a:t>
-            </a:r>
-            <a:r>
-              <a:rPr lang="en-US" sz="1600" b="1" kern="0" dirty="0" err="1">
-                <a:solidFill>
-                  <a:srgbClr val="00B0F0"/>
-                </a:solidFill>
-                <a:effectLst/>
-                <a:latin typeface="Times New Roman" panose="02020603050405020304" pitchFamily="18" charset="0"/>
-                <a:ea typeface="Times New Roman" panose="02020603050405020304" pitchFamily="18" charset="0"/>
-                <a:cs typeface="Times New Roman" panose="02020603050405020304" pitchFamily="18" charset="0"/>
-              </a:rPr>
-              <a:t>top_metabolites_MAR</a:t>
-            </a:r>
-            <a:r>
-              <a:rPr lang="en-US" sz="1600" b="1" kern="0" dirty="0">
-                <a:solidFill>
-                  <a:srgbClr val="00B0F0"/>
-                </a:solidFill>
-                <a:effectLst/>
-                <a:latin typeface="Times New Roman" panose="02020603050405020304" pitchFamily="18" charset="0"/>
-                <a:ea typeface="Times New Roman" panose="02020603050405020304" pitchFamily="18" charset="0"/>
-                <a:cs typeface="Times New Roman" panose="02020603050405020304" pitchFamily="18" charset="0"/>
-              </a:rPr>
-              <a:t>)</a:t>
-            </a:r>
-          </a:p>
-          <a:p>
-            <a:r>
-              <a:rPr lang="en-US" sz="1600" b="1" kern="0" dirty="0">
-                <a:latin typeface="Times New Roman" panose="02020603050405020304" pitchFamily="18" charset="0"/>
-                <a:ea typeface="Times New Roman" panose="02020603050405020304" pitchFamily="18" charset="0"/>
-                <a:cs typeface="Times New Roman" panose="02020603050405020304" pitchFamily="18" charset="0"/>
-              </a:rPr>
-              <a:t>340-</a:t>
-            </a:r>
-            <a:r>
-              <a:rPr lang="en-US" sz="1600" kern="0" dirty="0">
-                <a:latin typeface="Times New Roman" panose="02020603050405020304" pitchFamily="18" charset="0"/>
-                <a:ea typeface="Times New Roman" panose="02020603050405020304" pitchFamily="18" charset="0"/>
-                <a:cs typeface="Times New Roman" panose="02020603050405020304" pitchFamily="18" charset="0"/>
-              </a:rPr>
-              <a:t>Threonylglutamine</a:t>
-            </a:r>
-          </a:p>
-          <a:p>
-            <a:r>
-              <a:rPr lang="en-US" sz="1600" b="1" kern="0" dirty="0">
-                <a:effectLst/>
-                <a:latin typeface="Times New Roman" panose="02020603050405020304" pitchFamily="18" charset="0"/>
-                <a:ea typeface="Times New Roman" panose="02020603050405020304" pitchFamily="18" charset="0"/>
-                <a:cs typeface="Times New Roman" panose="02020603050405020304" pitchFamily="18" charset="0"/>
-              </a:rPr>
-              <a:t>332-</a:t>
-            </a:r>
-            <a:r>
-              <a:rPr lang="en-US" sz="1600" kern="0" dirty="0">
-                <a:effectLst/>
-                <a:latin typeface="Times New Roman" panose="02020603050405020304" pitchFamily="18" charset="0"/>
-                <a:ea typeface="Times New Roman" panose="02020603050405020304" pitchFamily="18" charset="0"/>
-                <a:cs typeface="Times New Roman" panose="02020603050405020304" pitchFamily="18" charset="0"/>
-              </a:rPr>
-              <a:t>ser-arg</a:t>
-            </a:r>
-          </a:p>
-          <a:p>
-            <a:r>
-              <a:rPr lang="en-US" sz="1600" b="1" kern="0" dirty="0">
-                <a:latin typeface="Times New Roman" panose="02020603050405020304" pitchFamily="18" charset="0"/>
-                <a:ea typeface="Times New Roman" panose="02020603050405020304" pitchFamily="18" charset="0"/>
-                <a:cs typeface="Times New Roman" panose="02020603050405020304" pitchFamily="18" charset="0"/>
-              </a:rPr>
               <a:t>198-</a:t>
             </a:r>
             <a:r>
-              <a:rPr lang="en-US" sz="1600" b="0" i="0" u="none" strike="noStrike" dirty="0">
-                <a:effectLst/>
-                <a:latin typeface="Times New Roman" panose="02020603050405020304" pitchFamily="18" charset="0"/>
-                <a:cs typeface="Times New Roman" panose="02020603050405020304" pitchFamily="18" charset="0"/>
-              </a:rPr>
-              <a:t>gln-ala</a:t>
-            </a:r>
-            <a:r>
-              <a:rPr lang="en-US" sz="1600" dirty="0">
-                <a:latin typeface="Times New Roman" panose="02020603050405020304" pitchFamily="18" charset="0"/>
-                <a:cs typeface="Times New Roman" panose="02020603050405020304" pitchFamily="18" charset="0"/>
-              </a:rPr>
-              <a:t> </a:t>
+              <a:rPr lang="en-US" sz="1600" b="0" i="0" dirty="0">
+                <a:effectLst/>
+                <a:latin typeface="Times New Roman" panose="02020603050405020304" pitchFamily="18" charset="0"/>
+                <a:cs typeface="Times New Roman" panose="02020603050405020304" pitchFamily="18" charset="0"/>
+              </a:rPr>
+              <a:t>gln-phe</a:t>
             </a:r>
             <a:endParaRPr lang="en-US" sz="1600" b="1" kern="0" dirty="0">
               <a:latin typeface="Times New Roman" panose="02020603050405020304" pitchFamily="18" charset="0"/>
@@ -6271,19 +6152,12 @@
               <a:t>222-</a:t>
             </a:r>
             <a:r>
-              <a:rPr lang="en-US" sz="1600" b="0" i="0" u="none" strike="noStrike" dirty="0">
-                <a:effectLst/>
-                <a:latin typeface="Times New Roman" panose="02020603050405020304" pitchFamily="18" charset="0"/>
-                <a:cs typeface="Times New Roman" panose="02020603050405020304" pitchFamily="18" charset="0"/>
-              </a:rPr>
-              <a:t>Hypusine</a:t>
-            </a:r>
-            <a:r>
-              <a:rPr lang="en-US" sz="1600" dirty="0">
-                <a:latin typeface="Times New Roman" panose="02020603050405020304" pitchFamily="18" charset="0"/>
-                <a:cs typeface="Times New Roman" panose="02020603050405020304" pitchFamily="18" charset="0"/>
-              </a:rPr>
-              <a:t> </a:t>
+              <a:rPr lang="en-US" sz="1600" b="0" i="0" dirty="0">
+                <a:effectLst/>
+                <a:latin typeface="Times New Roman" panose="02020603050405020304" pitchFamily="18" charset="0"/>
+                <a:cs typeface="Times New Roman" panose="02020603050405020304" pitchFamily="18" charset="0"/>
+              </a:rPr>
+              <a:t>Hypoxanthine_3</a:t>
             </a:r>
             <a:endParaRPr lang="en-US" sz="1600" b="1" kern="0" dirty="0">
               <a:effectLst/>
@@ -6302,19 +6176,12 @@
               <a:t>128-</a:t>
             </a:r>
             <a:r>
-              <a:rPr lang="en-US" sz="1600" b="0" i="0" u="none" strike="noStrike" dirty="0">
-                <a:effectLst/>
-                <a:latin typeface="Times New Roman" panose="02020603050405020304" pitchFamily="18" charset="0"/>
-                <a:cs typeface="Times New Roman" panose="02020603050405020304" pitchFamily="18" charset="0"/>
-              </a:rPr>
-              <a:t>Argininosuccinic acid</a:t>
-            </a:r>
-            <a:r>
-              <a:rPr lang="en-US" sz="1600" dirty="0">
-                <a:latin typeface="Times New Roman" panose="02020603050405020304" pitchFamily="18" charset="0"/>
-                <a:cs typeface="Times New Roman" panose="02020603050405020304" pitchFamily="18" charset="0"/>
-              </a:rPr>
-              <a:t> </a:t>
+              <a:rPr lang="en-US" sz="1600" b="0" i="0" dirty="0">
+                <a:effectLst/>
+                <a:latin typeface="Times New Roman" panose="02020603050405020304" pitchFamily="18" charset="0"/>
+                <a:cs typeface="Times New Roman" panose="02020603050405020304" pitchFamily="18" charset="0"/>
+              </a:rPr>
+              <a:t>arg-leu</a:t>
             </a:r>
             <a:endParaRPr lang="en-US" sz="1600" b="1" kern="0" dirty="0">
               <a:effectLst/>
@@ -6326,9 +6193,6 @@
           <a:p>
             <a:r>
               <a:rPr lang="en-US" sz="1600" b="1" kern="0" dirty="0">
-                <a:solidFill>
-                  <a:srgbClr val="00B0F0"/>
-                </a:solidFill>
                 <a:effectLst/>
                 <a:latin typeface="Times New Roman" panose="02020603050405020304" pitchFamily="18" charset="0"/>
                 <a:ea typeface="Times New Roman" panose="02020603050405020304" pitchFamily="18" charset="0"/>
@@ -6338,9 +6202,6 @@
             </a:r>
             <a:r>
               <a:rPr lang="en-US" sz="1600" b="1" kern="0" dirty="0" err="1">
-                <a:solidFill>
-                  <a:srgbClr val="00B0F0"/>
-                </a:solidFill>
                 <a:effectLst/>
                 <a:latin typeface="Times New Roman" panose="02020603050405020304" pitchFamily="18" charset="0"/>
                 <a:ea typeface="Times New Roman" panose="02020603050405020304" pitchFamily="18" charset="0"/>
@@ -6350,9 +6211,6 @@
             </a:r>
             <a:r>
               <a:rPr lang="en-US" sz="1600" b="1" kern="0" dirty="0">
-                <a:solidFill>
-                  <a:srgbClr val="00B0F0"/>
-                </a:solidFill>
                 <a:effectLst/>
                 <a:latin typeface="Times New Roman" panose="02020603050405020304" pitchFamily="18" charset="0"/>
                 <a:ea typeface="Times New Roman" panose="02020603050405020304" pitchFamily="18" charset="0"/>
@@ -6371,19 +6229,12 @@
               <a:t>132-</a:t>
             </a:r>
             <a:r>
-              <a:rPr lang="en-US" sz="1600" b="0" i="0" u="none" strike="noStrike" dirty="0">
-                <a:effectLst/>
-                <a:latin typeface="Times New Roman" panose="02020603050405020304" pitchFamily="18" charset="0"/>
-                <a:cs typeface="Times New Roman" panose="02020603050405020304" pitchFamily="18" charset="0"/>
-              </a:rPr>
-              <a:t>Asparagine</a:t>
-            </a:r>
-            <a:r>
-              <a:rPr lang="en-US" sz="1600" dirty="0">
-                <a:latin typeface="Times New Roman" panose="02020603050405020304" pitchFamily="18" charset="0"/>
-                <a:cs typeface="Times New Roman" panose="02020603050405020304" pitchFamily="18" charset="0"/>
-              </a:rPr>
-              <a:t> </a:t>
+              <a:rPr lang="en-US" sz="1600" b="0" i="0" dirty="0">
+                <a:effectLst/>
+                <a:latin typeface="Times New Roman" panose="02020603050405020304" pitchFamily="18" charset="0"/>
+                <a:cs typeface="Times New Roman" panose="02020603050405020304" pitchFamily="18" charset="0"/>
+              </a:rPr>
+              <a:t>Aspartyl-L-proline</a:t>
             </a:r>
             <a:endParaRPr lang="en-US" sz="1600" b="1" kern="0" dirty="0">
               <a:latin typeface="Times New Roman" panose="02020603050405020304" pitchFamily="18" charset="0"/>
@@ -6402,19 +6253,19 @@
               <a:t>347-</a:t>
             </a:r>
             <a:r>
-              <a:rPr lang="en-US" sz="1600" b="0" i="0" u="none" strike="noStrike" dirty="0">
-                <a:effectLst/>
-                <a:latin typeface="Times New Roman" panose="02020603050405020304" pitchFamily="18" charset="0"/>
-                <a:cs typeface="Times New Roman" panose="02020603050405020304" pitchFamily="18" charset="0"/>
-              </a:rPr>
-              <a:t>Urea</a:t>
-            </a:r>
-            <a:r>
               <a:rPr lang="en-US" sz="1600" dirty="0">
                 <a:latin typeface="Times New Roman" panose="02020603050405020304" pitchFamily="18" charset="0"/>
                 <a:cs typeface="Times New Roman" panose="02020603050405020304" pitchFamily="18" charset="0"/>
               </a:rPr>
               <a:t> </a:t>
+            </a:r>
+            <a:r>
+              <a:rPr lang="en-US" sz="1600" b="0" i="0" dirty="0">
+                <a:effectLst/>
+                <a:latin typeface="Times New Roman" panose="02020603050405020304" pitchFamily="18" charset="0"/>
+                <a:cs typeface="Times New Roman" panose="02020603050405020304" pitchFamily="18" charset="0"/>
+              </a:rPr>
+              <a:t>uridine 5-diphosphate</a:t>
             </a:r>
             <a:endParaRPr lang="en-US" sz="1600" b="1" kern="0" dirty="0">
               <a:effectLst/>
@@ -6433,19 +6284,12 @@
               <a:t>91-</a:t>
             </a:r>
             <a:r>
-              <a:rPr lang="en-US" sz="1600" b="0" i="0" u="none" strike="noStrike" dirty="0">
-                <a:effectLst/>
-                <a:latin typeface="Times New Roman" panose="02020603050405020304" pitchFamily="18" charset="0"/>
-                <a:cs typeface="Times New Roman" panose="02020603050405020304" pitchFamily="18" charset="0"/>
-              </a:rPr>
-              <a:t>4-Guanidinobutyric acid</a:t>
-            </a:r>
-            <a:r>
-              <a:rPr lang="en-US" sz="1600" dirty="0">
-                <a:latin typeface="Times New Roman" panose="02020603050405020304" pitchFamily="18" charset="0"/>
-                <a:cs typeface="Times New Roman" panose="02020603050405020304" pitchFamily="18" charset="0"/>
-              </a:rPr>
-              <a:t> </a:t>
+              <a:rPr lang="en-US" sz="1600" b="0" i="0" dirty="0">
+                <a:effectLst/>
+                <a:latin typeface="Times New Roman" panose="02020603050405020304" pitchFamily="18" charset="0"/>
+                <a:cs typeface="Times New Roman" panose="02020603050405020304" pitchFamily="18" charset="0"/>
+              </a:rPr>
+              <a:t>4-Hydroxyprolylleucine</a:t>
             </a:r>
             <a:endParaRPr lang="en-US" sz="1600" b="1" kern="0" dirty="0">
               <a:effectLst/>
@@ -6465,43 +6309,28 @@
               <a:t>85-</a:t>
             </a:r>
             <a:r>
-              <a:rPr lang="es-ES" sz="1600" b="0" i="0" u="none" strike="noStrike" dirty="0">
-                <a:effectLst/>
-                <a:latin typeface="Times New Roman" panose="02020603050405020304" pitchFamily="18" charset="0"/>
-                <a:cs typeface="Times New Roman" panose="02020603050405020304" pitchFamily="18" charset="0"/>
-              </a:rPr>
-              <a:t>4-[(3-Acetamidopropyl)amino]</a:t>
-            </a:r>
-            <a:r>
-              <a:rPr lang="es-ES" sz="1600" b="0" i="0" u="none" strike="noStrike" dirty="0" err="1">
-                <a:effectLst/>
-                <a:latin typeface="Times New Roman" panose="02020603050405020304" pitchFamily="18" charset="0"/>
-                <a:cs typeface="Times New Roman" panose="02020603050405020304" pitchFamily="18" charset="0"/>
-              </a:rPr>
-              <a:t>butanoic</a:t>
-            </a:r>
-            <a:r>
-              <a:rPr lang="es-ES" sz="1600" b="0" i="0" u="none" strike="noStrike" dirty="0">
-                <a:effectLst/>
-                <a:latin typeface="Times New Roman" panose="02020603050405020304" pitchFamily="18" charset="0"/>
-                <a:cs typeface="Times New Roman" panose="02020603050405020304" pitchFamily="18" charset="0"/>
-              </a:rPr>
-              <a:t> </a:t>
-            </a:r>
-            <a:r>
-              <a:rPr lang="es-ES" sz="1600" b="0" i="0" u="none" strike="noStrike" dirty="0" err="1">
-                <a:effectLst/>
-                <a:latin typeface="Times New Roman" panose="02020603050405020304" pitchFamily="18" charset="0"/>
-                <a:cs typeface="Times New Roman" panose="02020603050405020304" pitchFamily="18" charset="0"/>
-              </a:rPr>
-              <a:t>acid</a:t>
-            </a:r>
-            <a:r>
-              <a:rPr lang="es-ES" sz="1600" dirty="0">
-                <a:latin typeface="Times New Roman" panose="02020603050405020304" pitchFamily="18" charset="0"/>
-                <a:cs typeface="Times New Roman" panose="02020603050405020304" pitchFamily="18" charset="0"/>
-              </a:rPr>
-              <a:t> </a:t>
+              <a:rPr lang="en-US" sz="1600" b="0" i="0" dirty="0">
+                <a:effectLst/>
+                <a:latin typeface="Times New Roman" panose="02020603050405020304" pitchFamily="18" charset="0"/>
+                <a:cs typeface="Times New Roman" panose="02020603050405020304" pitchFamily="18" charset="0"/>
+              </a:rPr>
+              <a:t>4-[(8-Amino-8-oxo-1-sulfanyl-3-octanyl)</a:t>
+            </a:r>
+            <a:r>
+              <a:rPr lang="en-US" sz="1600" b="0" i="0" dirty="0" err="1">
+                <a:effectLst/>
+                <a:latin typeface="Times New Roman" panose="02020603050405020304" pitchFamily="18" charset="0"/>
+                <a:cs typeface="Times New Roman" panose="02020603050405020304" pitchFamily="18" charset="0"/>
+              </a:rPr>
+              <a:t>sulfanyl</a:t>
+            </a:r>
+            <a:r>
+              <a:rPr lang="en-US" sz="1600" b="0" i="0" dirty="0">
+                <a:effectLst/>
+                <a:latin typeface="Times New Roman" panose="02020603050405020304" pitchFamily="18" charset="0"/>
+                <a:cs typeface="Times New Roman" panose="02020603050405020304" pitchFamily="18" charset="0"/>
+              </a:rPr>
+              <a:t>]-4-oxobutanoic acid</a:t>
             </a:r>
             <a:endParaRPr lang="en-US" sz="1600" b="1" kern="100" dirty="0">
               <a:effectLst/>
@@ -6517,33 +6346,12 @@
                 <a:ea typeface="Calibri" panose="020F0502020204030204" pitchFamily="34" charset="0"/>
                 <a:cs typeface="Times New Roman" panose="02020603050405020304" pitchFamily="18" charset="0"/>
               </a:rPr>
-              <a:t>20-</a:t>
-            </a:r>
-            <a:r>
-              <a:rPr lang="en-US" sz="1600" b="0" i="0" u="none" strike="noStrike" dirty="0">
-                <a:effectLst/>
-                <a:latin typeface="Times New Roman" panose="02020603050405020304" pitchFamily="18" charset="0"/>
-                <a:cs typeface="Times New Roman" panose="02020603050405020304" pitchFamily="18" charset="0"/>
-              </a:rPr>
-              <a:t> {3-[(3-{[4-(Hydroxymethyl)cyclohexyl]amino}-3-oxetanyl)methyl]-1,2-oxazol-5-yl}methanol</a:t>
-            </a:r>
-            <a:endParaRPr lang="en-US" sz="1600" b="1" kern="100" dirty="0">
-              <a:effectLst/>
+              <a:t>20-[Similar to: DL-Carnitine; Mass: -0.0906 Da]</a:t>
+            </a:r>
+            <a:endParaRPr lang="en-US" dirty="0">
               <a:latin typeface="Times New Roman" panose="02020603050405020304" pitchFamily="18" charset="0"/>
-              <a:ea typeface="Calibri" panose="020F0502020204030204" pitchFamily="34" charset="0"/>
               <a:cs typeface="Times New Roman" panose="02020603050405020304" pitchFamily="18" charset="0"/>
             </a:endParaRPr>
-          </a:p>
-          <a:p>
-            <a:endParaRPr lang="en-US" sz="1700" b="1" kern="100" dirty="0">
-              <a:effectLst/>
-              <a:latin typeface="Times New Roman" panose="02020603050405020304" pitchFamily="18" charset="0"/>
-              <a:ea typeface="Calibri" panose="020F0502020204030204" pitchFamily="34" charset="0"/>
-              <a:cs typeface="Times New Roman" panose="02020603050405020304" pitchFamily="18" charset="0"/>
-            </a:endParaRPr>
-          </a:p>
-          <a:p>
-            <a:endParaRPr lang="en-US" dirty="0"/>
           </a:p>
         </p:txBody>
       </p:sp>
@@ -6685,19 +6493,11 @@
               <a:t>82-</a:t>
             </a:r>
             <a:r>
-              <a:rPr lang="en-US" sz="2800" b="0" i="0" u="none" strike="noStrike" dirty="0">
-                <a:effectLst/>
-                <a:latin typeface="Times New Roman" panose="02020603050405020304" pitchFamily="18" charset="0"/>
-                <a:cs typeface="Times New Roman" panose="02020603050405020304" pitchFamily="18" charset="0"/>
-              </a:rPr>
-              <a:t>4-(1,2-Dihydroxy-2-propanyl)-1-methyl-1,2-cyclohexanediol</a:t>
-            </a:r>
-            <a:r>
-              <a:rPr lang="en-US" sz="2800" dirty="0">
-                <a:latin typeface="Times New Roman" panose="02020603050405020304" pitchFamily="18" charset="0"/>
-                <a:cs typeface="Times New Roman" panose="02020603050405020304" pitchFamily="18" charset="0"/>
-              </a:rPr>
-              <a:t> </a:t>
+              <a:rPr lang="en-US" b="0" i="0" dirty="0">
+                <a:effectLst/>
+                <a:latin typeface="DejaVu Sans"/>
+              </a:rPr>
+              <a:t>4-(allyloxy)-1,2-dihydroquinolin-2-one</a:t>
             </a:r>
             <a:endParaRPr lang="en-US" sz="2800" b="1" kern="0" dirty="0">
               <a:latin typeface="Times New Roman" panose="02020603050405020304" pitchFamily="18" charset="0"/>
@@ -6713,22 +6513,16 @@
                 <a:ea typeface="Times New Roman" panose="02020603050405020304" pitchFamily="18" charset="0"/>
                 <a:cs typeface="Times New Roman" panose="02020603050405020304" pitchFamily="18" charset="0"/>
               </a:rPr>
-              <a:t>244-</a:t>
-            </a:r>
-            <a:r>
-              <a:rPr lang="en-US" sz="2800" b="0" i="0" u="none" strike="noStrike" dirty="0">
-                <a:effectLst/>
-                <a:latin typeface="Times New Roman" panose="02020603050405020304" pitchFamily="18" charset="0"/>
-                <a:cs typeface="Times New Roman" panose="02020603050405020304" pitchFamily="18" charset="0"/>
-              </a:rPr>
-              <a:t>Leucylasparagine</a:t>
-            </a:r>
-            <a:r>
-              <a:rPr lang="en-US" sz="2800" dirty="0">
-                <a:latin typeface="Times New Roman" panose="02020603050405020304" pitchFamily="18" charset="0"/>
-                <a:cs typeface="Times New Roman" panose="02020603050405020304" pitchFamily="18" charset="0"/>
-              </a:rPr>
-              <a:t> </a:t>
+              <a:t>244-	</a:t>
+            </a:r>
+            <a:r>
+              <a:rPr lang="en-US" sz="2800" b="1" kern="0" dirty="0" err="1">
+                <a:effectLst/>
+                <a:latin typeface="Times New Roman" panose="02020603050405020304" pitchFamily="18" charset="0"/>
+                <a:ea typeface="Times New Roman" panose="02020603050405020304" pitchFamily="18" charset="0"/>
+                <a:cs typeface="Times New Roman" panose="02020603050405020304" pitchFamily="18" charset="0"/>
+              </a:rPr>
+              <a:t>Leucylproline</a:t>
             </a:r>
             <a:endParaRPr lang="en-US" sz="2800" b="1" kern="0" dirty="0">
               <a:effectLst/>
@@ -6744,22 +6538,14 @@
                 <a:ea typeface="Times New Roman" panose="02020603050405020304" pitchFamily="18" charset="0"/>
                 <a:cs typeface="Times New Roman" panose="02020603050405020304" pitchFamily="18" charset="0"/>
               </a:rPr>
-              <a:t>315-</a:t>
-            </a:r>
-            <a:r>
-              <a:rPr lang="en-US" sz="2800" b="0" i="0" u="none" strike="noStrike" dirty="0">
-                <a:effectLst/>
-                <a:latin typeface="Times New Roman" panose="02020603050405020304" pitchFamily="18" charset="0"/>
-                <a:cs typeface="Times New Roman" panose="02020603050405020304" pitchFamily="18" charset="0"/>
-              </a:rPr>
-              <a:t>Phenylalanylarginine</a:t>
-            </a:r>
-            <a:r>
-              <a:rPr lang="en-US" sz="2800" dirty="0">
-                <a:latin typeface="Times New Roman" panose="02020603050405020304" pitchFamily="18" charset="0"/>
-                <a:cs typeface="Times New Roman" panose="02020603050405020304" pitchFamily="18" charset="0"/>
-              </a:rPr>
-              <a:t> </a:t>
+              <a:t>315- </a:t>
+            </a:r>
+            <a:r>
+              <a:rPr lang="en-US" b="0" i="0" dirty="0" err="1">
+                <a:effectLst/>
+                <a:latin typeface="DejaVu Sans"/>
+              </a:rPr>
+              <a:t>phosphoethanolamine</a:t>
             </a:r>
             <a:endParaRPr lang="en-US" sz="2800" b="1" kern="0" dirty="0">
               <a:latin typeface="Times New Roman" panose="02020603050405020304" pitchFamily="18" charset="0"/>
@@ -6778,19 +6564,11 @@
               <a:t>342-</a:t>
             </a:r>
             <a:r>
-              <a:rPr lang="en-US" sz="2800" b="0" i="0" u="none" strike="noStrike" dirty="0">
-                <a:effectLst/>
-                <a:latin typeface="Times New Roman" panose="02020603050405020304" pitchFamily="18" charset="0"/>
-                <a:cs typeface="Times New Roman" panose="02020603050405020304" pitchFamily="18" charset="0"/>
-              </a:rPr>
-              <a:t>trans-3-Indoleacrylic acid</a:t>
-            </a:r>
-            <a:r>
-              <a:rPr lang="en-US" sz="2800" dirty="0">
-                <a:latin typeface="Times New Roman" panose="02020603050405020304" pitchFamily="18" charset="0"/>
-                <a:cs typeface="Times New Roman" panose="02020603050405020304" pitchFamily="18" charset="0"/>
-              </a:rPr>
-              <a:t> </a:t>
+              <a:rPr lang="en-US" b="0" i="0" dirty="0">
+                <a:effectLst/>
+                <a:latin typeface="DejaVu Sans"/>
+              </a:rPr>
+              <a:t>Triethanolamine</a:t>
             </a:r>
             <a:endParaRPr lang="en-US" sz="2800" b="1" kern="0" dirty="0">
               <a:effectLst/>
@@ -6806,22 +6584,14 @@
                 <a:ea typeface="Times New Roman" panose="02020603050405020304" pitchFamily="18" charset="0"/>
                 <a:cs typeface="Times New Roman" panose="02020603050405020304" pitchFamily="18" charset="0"/>
               </a:rPr>
-              <a:t>266-</a:t>
-            </a:r>
-            <a:r>
-              <a:rPr lang="en-US" sz="2800" b="0" i="0" u="none" strike="noStrike" dirty="0">
-                <a:effectLst/>
-                <a:latin typeface="Times New Roman" panose="02020603050405020304" pitchFamily="18" charset="0"/>
-                <a:cs typeface="Times New Roman" panose="02020603050405020304" pitchFamily="18" charset="0"/>
-              </a:rPr>
-              <a:t>Melezitose</a:t>
-            </a:r>
-            <a:r>
-              <a:rPr lang="en-US" sz="2800" dirty="0">
-                <a:latin typeface="Times New Roman" panose="02020603050405020304" pitchFamily="18" charset="0"/>
-                <a:cs typeface="Times New Roman" panose="02020603050405020304" pitchFamily="18" charset="0"/>
-              </a:rPr>
-              <a:t> </a:t>
+              <a:t>266- </a:t>
+            </a:r>
+            <a:r>
+              <a:rPr lang="en-US" b="0" i="0" dirty="0">
+                <a:effectLst/>
+                <a:latin typeface="DejaVu Sans"/>
+              </a:rPr>
+              <a:t>methionine S-oxide</a:t>
             </a:r>
             <a:endParaRPr lang="en-US" sz="2800" b="1" kern="100" dirty="0">
               <a:effectLst/>
@@ -6878,19 +6648,11 @@
               <a:t>342-</a:t>
             </a:r>
             <a:r>
-              <a:rPr lang="en-US" sz="2800" b="0" i="0" u="none" strike="noStrike" dirty="0">
-                <a:effectLst/>
-                <a:latin typeface="Times New Roman" panose="02020603050405020304" pitchFamily="18" charset="0"/>
-                <a:cs typeface="Times New Roman" panose="02020603050405020304" pitchFamily="18" charset="0"/>
-              </a:rPr>
-              <a:t>trans-3-Indoleacrylic acid</a:t>
-            </a:r>
-            <a:r>
-              <a:rPr lang="en-US" sz="2800" dirty="0">
-                <a:latin typeface="Times New Roman" panose="02020603050405020304" pitchFamily="18" charset="0"/>
-                <a:cs typeface="Times New Roman" panose="02020603050405020304" pitchFamily="18" charset="0"/>
-              </a:rPr>
-              <a:t> </a:t>
+              <a:rPr lang="en-US" b="0" i="0" dirty="0">
+                <a:effectLst/>
+                <a:latin typeface="DejaVu Sans"/>
+              </a:rPr>
+              <a:t>Triethanolamine</a:t>
             </a:r>
             <a:endParaRPr lang="en-US" sz="2800" b="1" kern="0" dirty="0">
               <a:latin typeface="Times New Roman" panose="02020603050405020304" pitchFamily="18" charset="0"/>
@@ -6909,19 +6671,11 @@
               <a:t>341-</a:t>
             </a:r>
             <a:r>
-              <a:rPr lang="en-US" sz="2800" b="0" i="0" u="none" strike="noStrike" dirty="0">
-                <a:effectLst/>
-                <a:latin typeface="Times New Roman" panose="02020603050405020304" pitchFamily="18" charset="0"/>
-                <a:cs typeface="Times New Roman" panose="02020603050405020304" pitchFamily="18" charset="0"/>
-              </a:rPr>
-              <a:t>Threonylleucine</a:t>
-            </a:r>
-            <a:r>
-              <a:rPr lang="en-US" sz="2800" dirty="0">
-                <a:latin typeface="Times New Roman" panose="02020603050405020304" pitchFamily="18" charset="0"/>
-                <a:cs typeface="Times New Roman" panose="02020603050405020304" pitchFamily="18" charset="0"/>
-              </a:rPr>
-              <a:t> </a:t>
+              <a:rPr lang="en-US" b="0" i="0" dirty="0">
+                <a:effectLst/>
+                <a:latin typeface="DejaVu Sans"/>
+              </a:rPr>
+              <a:t>trans-3-Indoleacrylic acid</a:t>
             </a:r>
             <a:endParaRPr lang="en-US" sz="2800" b="1" kern="100" dirty="0">
               <a:effectLst/>
@@ -6938,29 +6692,8 @@
                 <a:ea typeface="Calibri" panose="020F0502020204030204" pitchFamily="34" charset="0"/>
                 <a:cs typeface="Times New Roman" panose="02020603050405020304" pitchFamily="18" charset="0"/>
               </a:rPr>
-              <a:t>288-</a:t>
-            </a:r>
-            <a:r>
-              <a:rPr lang="en-US" sz="2800" b="0" i="0" u="none" strike="noStrike" dirty="0">
-                <a:effectLst/>
-                <a:latin typeface="Times New Roman" panose="02020603050405020304" pitchFamily="18" charset="0"/>
-                <a:cs typeface="Times New Roman" panose="02020603050405020304" pitchFamily="18" charset="0"/>
-              </a:rPr>
-              <a:t>N6-Me-Adenosine</a:t>
-            </a:r>
-            <a:r>
-              <a:rPr lang="en-US" sz="2800" dirty="0">
-                <a:latin typeface="Times New Roman" panose="02020603050405020304" pitchFamily="18" charset="0"/>
-                <a:cs typeface="Times New Roman" panose="02020603050405020304" pitchFamily="18" charset="0"/>
-              </a:rPr>
-              <a:t> </a:t>
-            </a:r>
-            <a:endParaRPr lang="en-US" sz="2800" b="1" kern="100" dirty="0">
-              <a:effectLst/>
-              <a:latin typeface="Times New Roman" panose="02020603050405020304" pitchFamily="18" charset="0"/>
-              <a:ea typeface="Calibri" panose="020F0502020204030204" pitchFamily="34" charset="0"/>
-              <a:cs typeface="Times New Roman" panose="02020603050405020304" pitchFamily="18" charset="0"/>
-            </a:endParaRPr>
+              <a:t>288-N8-Acetylspermidine</a:t>
+            </a:r>
           </a:p>
           <a:p>
             <a:r>
@@ -6972,19 +6705,11 @@
               <a:t>82-</a:t>
             </a:r>
             <a:r>
-              <a:rPr lang="en-US" sz="2800" b="0" i="0" u="none" strike="noStrike" dirty="0">
-                <a:effectLst/>
-                <a:latin typeface="Times New Roman" panose="02020603050405020304" pitchFamily="18" charset="0"/>
-                <a:cs typeface="Times New Roman" panose="02020603050405020304" pitchFamily="18" charset="0"/>
-              </a:rPr>
-              <a:t>4-(1,2-Dihydroxy-2-propanyl)-1-methyl-1,2-cyclohexanediol</a:t>
-            </a:r>
-            <a:r>
-              <a:rPr lang="en-US" sz="2800" dirty="0">
-                <a:latin typeface="Times New Roman" panose="02020603050405020304" pitchFamily="18" charset="0"/>
-                <a:cs typeface="Times New Roman" panose="02020603050405020304" pitchFamily="18" charset="0"/>
-              </a:rPr>
-              <a:t> </a:t>
+              <a:rPr lang="en-US" b="0" i="0" dirty="0">
+                <a:effectLst/>
+                <a:latin typeface="DejaVu Sans"/>
+              </a:rPr>
+              <a:t>4-(allyloxy)-1,2-dihydroquinolin-2-one</a:t>
             </a:r>
             <a:endParaRPr lang="en-US" sz="2800" b="1" kern="100" dirty="0">
               <a:latin typeface="Times New Roman" panose="02020603050405020304" pitchFamily="18" charset="0"/>
@@ -7002,19 +6727,11 @@
               <a:t>243-</a:t>
             </a:r>
             <a:r>
-              <a:rPr lang="en-US" sz="2800" b="0" i="0" u="none" strike="noStrike" dirty="0">
-                <a:effectLst/>
-                <a:latin typeface="Times New Roman" panose="02020603050405020304" pitchFamily="18" charset="0"/>
-                <a:cs typeface="Times New Roman" panose="02020603050405020304" pitchFamily="18" charset="0"/>
-              </a:rPr>
-              <a:t>Leucine</a:t>
-            </a:r>
-            <a:r>
-              <a:rPr lang="en-US" sz="2800" dirty="0">
-                <a:latin typeface="Times New Roman" panose="02020603050405020304" pitchFamily="18" charset="0"/>
-                <a:cs typeface="Times New Roman" panose="02020603050405020304" pitchFamily="18" charset="0"/>
-              </a:rPr>
-              <a:t> </a:t>
+              <a:rPr lang="en-US" b="0" i="0" dirty="0">
+                <a:effectLst/>
+                <a:latin typeface="DejaVu Sans"/>
+              </a:rPr>
+              <a:t>Leucylasparagine</a:t>
             </a:r>
             <a:endParaRPr lang="en-US" sz="2800" b="1" kern="100" dirty="0">
               <a:effectLst/>
